--- a/Shinjini Ghosh ppt-Emotion Recognition System(IBM).pptx
+++ b/Shinjini Ghosh ppt-Emotion Recognition System(IBM).pptx
@@ -9,9 +9,9 @@
     <p:sldId id="259" r:id="rId3"/>
     <p:sldId id="260" r:id="rId4"/>
     <p:sldId id="261" r:id="rId5"/>
-    <p:sldId id="262" r:id="rId6"/>
-    <p:sldId id="258" r:id="rId7"/>
-    <p:sldId id="257" r:id="rId8"/>
+    <p:sldId id="258" r:id="rId6"/>
+    <p:sldId id="262" r:id="rId7"/>
+    <p:sldId id="263" r:id="rId8"/>
   </p:sldIdLst>
   <p:sldSz cx="12192000" cy="6858000"/>
   <p:notesSz cx="6858000" cy="9144000"/>
@@ -111,6 +111,412 @@
     </a:lvl9pPr>
   </p:defaultTextStyle>
 </p:presentation>
+</file>
+
+<file path=ppt/revisionInfo.xml><?xml version="1.0" encoding="utf-8"?>
+<p1510:revInfo xmlns:a="http://schemas.openxmlformats.org/drawingml/2006/main" xmlns:r="http://schemas.openxmlformats.org/officeDocument/2006/relationships" xmlns:p1510="http://schemas.microsoft.com/office/powerpoint/2015/10/main">
+  <p1510:revLst>
+    <p1510:client id="{30F36B50-B871-477E-98CF-84DED87D16F4}" v="56" dt="2025-11-16T16:35:52.486"/>
+  </p1510:revLst>
+</p1510:revInfo>
+</file>
+
+<file path=ppt/changesInfos/changesInfo1.xml><?xml version="1.0" encoding="utf-8"?>
+<pc:chgInfo xmlns:a="http://schemas.openxmlformats.org/drawingml/2006/main" xmlns:r="http://schemas.openxmlformats.org/officeDocument/2006/relationships" xmlns:ac="http://schemas.microsoft.com/office/drawing/2013/main/command" xmlns:pc="http://schemas.microsoft.com/office/powerpoint/2013/main/command">
+  <pc:docChgLst>
+    <pc:chgData name="Shinjini Ghosh 3012" userId="8753df025f0669cc" providerId="LiveId" clId="{D90BEED1-1AF1-49D1-954A-0537436BF3B3}"/>
+    <pc:docChg chg="undo custSel addSld delSld modSld">
+      <pc:chgData name="Shinjini Ghosh 3012" userId="8753df025f0669cc" providerId="LiveId" clId="{D90BEED1-1AF1-49D1-954A-0537436BF3B3}" dt="2025-11-16T16:35:52.480" v="786" actId="1076"/>
+      <pc:docMkLst>
+        <pc:docMk/>
+      </pc:docMkLst>
+      <pc:sldChg chg="modSp del mod">
+        <pc:chgData name="Shinjini Ghosh 3012" userId="8753df025f0669cc" providerId="LiveId" clId="{D90BEED1-1AF1-49D1-954A-0537436BF3B3}" dt="2025-11-16T16:17:17.137" v="587" actId="47"/>
+        <pc:sldMkLst>
+          <pc:docMk/>
+          <pc:sldMk cId="3671497000" sldId="257"/>
+        </pc:sldMkLst>
+        <pc:spChg chg="mod">
+          <ac:chgData name="Shinjini Ghosh 3012" userId="8753df025f0669cc" providerId="LiveId" clId="{D90BEED1-1AF1-49D1-954A-0537436BF3B3}" dt="2025-11-15T17:57:33.769" v="408" actId="1076"/>
+          <ac:spMkLst>
+            <pc:docMk/>
+            <pc:sldMk cId="3671497000" sldId="257"/>
+            <ac:spMk id="2" creationId="{96AAE14B-D468-B409-8B4B-1CBF007D66B6}"/>
+          </ac:spMkLst>
+        </pc:spChg>
+        <pc:spChg chg="mod">
+          <ac:chgData name="Shinjini Ghosh 3012" userId="8753df025f0669cc" providerId="LiveId" clId="{D90BEED1-1AF1-49D1-954A-0537436BF3B3}" dt="2025-11-15T17:57:37.673" v="409" actId="14100"/>
+          <ac:spMkLst>
+            <pc:docMk/>
+            <pc:sldMk cId="3671497000" sldId="257"/>
+            <ac:spMk id="3" creationId="{B27DCF85-2FBA-2DF6-2525-E1AF45B716BB}"/>
+          </ac:spMkLst>
+        </pc:spChg>
+      </pc:sldChg>
+      <pc:sldChg chg="addSp delSp modSp mod">
+        <pc:chgData name="Shinjini Ghosh 3012" userId="8753df025f0669cc" providerId="LiveId" clId="{D90BEED1-1AF1-49D1-954A-0537436BF3B3}" dt="2025-11-16T16:35:44.208" v="784" actId="1076"/>
+        <pc:sldMkLst>
+          <pc:docMk/>
+          <pc:sldMk cId="597248377" sldId="258"/>
+        </pc:sldMkLst>
+        <pc:spChg chg="mod">
+          <ac:chgData name="Shinjini Ghosh 3012" userId="8753df025f0669cc" providerId="LiveId" clId="{D90BEED1-1AF1-49D1-954A-0537436BF3B3}" dt="2025-11-16T16:18:30.497" v="615" actId="2711"/>
+          <ac:spMkLst>
+            <pc:docMk/>
+            <pc:sldMk cId="597248377" sldId="258"/>
+            <ac:spMk id="2" creationId="{B69D5AAB-7264-2F77-071B-B24CFA61263C}"/>
+          </ac:spMkLst>
+        </pc:spChg>
+        <pc:spChg chg="del">
+          <ac:chgData name="Shinjini Ghosh 3012" userId="8753df025f0669cc" providerId="LiveId" clId="{D90BEED1-1AF1-49D1-954A-0537436BF3B3}" dt="2025-11-15T22:05:11.933" v="426" actId="478"/>
+          <ac:spMkLst>
+            <pc:docMk/>
+            <pc:sldMk cId="597248377" sldId="258"/>
+            <ac:spMk id="3" creationId="{CDED692A-FDCD-B6C0-65B6-0A668C99871F}"/>
+          </ac:spMkLst>
+        </pc:spChg>
+        <pc:spChg chg="add del">
+          <ac:chgData name="Shinjini Ghosh 3012" userId="8753df025f0669cc" providerId="LiveId" clId="{D90BEED1-1AF1-49D1-954A-0537436BF3B3}" dt="2025-11-15T22:09:02.579" v="477" actId="478"/>
+          <ac:spMkLst>
+            <pc:docMk/>
+            <pc:sldMk cId="597248377" sldId="258"/>
+            <ac:spMk id="9" creationId="{304BFDD8-0153-5C45-2F49-98309327B12F}"/>
+          </ac:spMkLst>
+        </pc:spChg>
+        <pc:picChg chg="add mod">
+          <ac:chgData name="Shinjini Ghosh 3012" userId="8753df025f0669cc" providerId="LiveId" clId="{D90BEED1-1AF1-49D1-954A-0537436BF3B3}" dt="2025-11-16T16:35:42.923" v="783" actId="1076"/>
+          <ac:picMkLst>
+            <pc:docMk/>
+            <pc:sldMk cId="597248377" sldId="258"/>
+            <ac:picMk id="5" creationId="{91182055-66EE-7FDE-2B86-8C7E54120C05}"/>
+          </ac:picMkLst>
+        </pc:picChg>
+        <pc:picChg chg="add mod modCrop">
+          <ac:chgData name="Shinjini Ghosh 3012" userId="8753df025f0669cc" providerId="LiveId" clId="{D90BEED1-1AF1-49D1-954A-0537436BF3B3}" dt="2025-11-16T16:35:44.208" v="784" actId="1076"/>
+          <ac:picMkLst>
+            <pc:docMk/>
+            <pc:sldMk cId="597248377" sldId="258"/>
+            <ac:picMk id="7" creationId="{501D3BA0-B27E-1245-176A-7F03374E29EA}"/>
+          </ac:picMkLst>
+        </pc:picChg>
+      </pc:sldChg>
+      <pc:sldChg chg="addSp modSp mod">
+        <pc:chgData name="Shinjini Ghosh 3012" userId="8753df025f0669cc" providerId="LiveId" clId="{D90BEED1-1AF1-49D1-954A-0537436BF3B3}" dt="2025-11-14T20:03:50.632" v="52" actId="1076"/>
+        <pc:sldMkLst>
+          <pc:docMk/>
+          <pc:sldMk cId="1582172398" sldId="259"/>
+        </pc:sldMkLst>
+        <pc:spChg chg="mod">
+          <ac:chgData name="Shinjini Ghosh 3012" userId="8753df025f0669cc" providerId="LiveId" clId="{D90BEED1-1AF1-49D1-954A-0537436BF3B3}" dt="2025-11-14T20:03:24.110" v="44" actId="1076"/>
+          <ac:spMkLst>
+            <pc:docMk/>
+            <pc:sldMk cId="1582172398" sldId="259"/>
+            <ac:spMk id="2" creationId="{038CD5D3-C840-4772-07BB-7B958A21C9F0}"/>
+          </ac:spMkLst>
+        </pc:spChg>
+        <pc:spChg chg="add mod">
+          <ac:chgData name="Shinjini Ghosh 3012" userId="8753df025f0669cc" providerId="LiveId" clId="{D90BEED1-1AF1-49D1-954A-0537436BF3B3}" dt="2025-11-14T20:03:50.632" v="52" actId="1076"/>
+          <ac:spMkLst>
+            <pc:docMk/>
+            <pc:sldMk cId="1582172398" sldId="259"/>
+            <ac:spMk id="4" creationId="{1FDC79F6-2309-2AAA-754B-1DE140A7CE0D}"/>
+          </ac:spMkLst>
+        </pc:spChg>
+      </pc:sldChg>
+      <pc:sldChg chg="addSp delSp modSp mod">
+        <pc:chgData name="Shinjini Ghosh 3012" userId="8753df025f0669cc" providerId="LiveId" clId="{D90BEED1-1AF1-49D1-954A-0537436BF3B3}" dt="2025-11-15T17:32:55.361" v="202" actId="1076"/>
+        <pc:sldMkLst>
+          <pc:docMk/>
+          <pc:sldMk cId="3420986016" sldId="260"/>
+        </pc:sldMkLst>
+        <pc:spChg chg="mod">
+          <ac:chgData name="Shinjini Ghosh 3012" userId="8753df025f0669cc" providerId="LiveId" clId="{D90BEED1-1AF1-49D1-954A-0537436BF3B3}" dt="2025-11-15T17:20:02.454" v="110" actId="1076"/>
+          <ac:spMkLst>
+            <pc:docMk/>
+            <pc:sldMk cId="3420986016" sldId="260"/>
+            <ac:spMk id="2" creationId="{B64D9BB2-1285-EBF3-705F-B560590EEF9A}"/>
+          </ac:spMkLst>
+        </pc:spChg>
+        <pc:spChg chg="del">
+          <ac:chgData name="Shinjini Ghosh 3012" userId="8753df025f0669cc" providerId="LiveId" clId="{D90BEED1-1AF1-49D1-954A-0537436BF3B3}" dt="2025-11-15T17:15:47.824" v="79"/>
+          <ac:spMkLst>
+            <pc:docMk/>
+            <pc:sldMk cId="3420986016" sldId="260"/>
+            <ac:spMk id="3" creationId="{B30F7B84-844B-9053-8CC5-3BD80E5F4EC9}"/>
+          </ac:spMkLst>
+        </pc:spChg>
+        <pc:spChg chg="add">
+          <ac:chgData name="Shinjini Ghosh 3012" userId="8753df025f0669cc" providerId="LiveId" clId="{D90BEED1-1AF1-49D1-954A-0537436BF3B3}" dt="2025-11-15T17:15:44.453" v="78"/>
+          <ac:spMkLst>
+            <pc:docMk/>
+            <pc:sldMk cId="3420986016" sldId="260"/>
+            <ac:spMk id="4" creationId="{EC238AB1-CD90-C068-F8CA-3605DDEFF5FB}"/>
+          </ac:spMkLst>
+        </pc:spChg>
+        <pc:spChg chg="add mod">
+          <ac:chgData name="Shinjini Ghosh 3012" userId="8753df025f0669cc" providerId="LiveId" clId="{D90BEED1-1AF1-49D1-954A-0537436BF3B3}" dt="2025-11-15T17:27:28.310" v="187" actId="113"/>
+          <ac:spMkLst>
+            <pc:docMk/>
+            <pc:sldMk cId="3420986016" sldId="260"/>
+            <ac:spMk id="5" creationId="{0DE0C85C-580E-A943-B498-938F10198933}"/>
+          </ac:spMkLst>
+        </pc:spChg>
+        <pc:spChg chg="add mod ord">
+          <ac:chgData name="Shinjini Ghosh 3012" userId="8753df025f0669cc" providerId="LiveId" clId="{D90BEED1-1AF1-49D1-954A-0537436BF3B3}" dt="2025-11-15T17:21:26.230" v="125" actId="14100"/>
+          <ac:spMkLst>
+            <pc:docMk/>
+            <pc:sldMk cId="3420986016" sldId="260"/>
+            <ac:spMk id="6" creationId="{C0DC8C60-5298-ECFD-0C53-D6A1ECAAA1EF}"/>
+          </ac:spMkLst>
+        </pc:spChg>
+        <pc:spChg chg="add mod">
+          <ac:chgData name="Shinjini Ghosh 3012" userId="8753df025f0669cc" providerId="LiveId" clId="{D90BEED1-1AF1-49D1-954A-0537436BF3B3}" dt="2025-11-15T17:25:16.702" v="162" actId="14100"/>
+          <ac:spMkLst>
+            <pc:docMk/>
+            <pc:sldMk cId="3420986016" sldId="260"/>
+            <ac:spMk id="7" creationId="{3BB08A94-F79B-DC71-9271-8E5D54A9B84B}"/>
+          </ac:spMkLst>
+        </pc:spChg>
+        <pc:spChg chg="add mod">
+          <ac:chgData name="Shinjini Ghosh 3012" userId="8753df025f0669cc" providerId="LiveId" clId="{D90BEED1-1AF1-49D1-954A-0537436BF3B3}" dt="2025-11-15T17:25:38.748" v="167" actId="1076"/>
+          <ac:spMkLst>
+            <pc:docMk/>
+            <pc:sldMk cId="3420986016" sldId="260"/>
+            <ac:spMk id="8" creationId="{29C96519-7B13-36EC-664A-0AFF3E2A9DA0}"/>
+          </ac:spMkLst>
+        </pc:spChg>
+        <pc:spChg chg="add mod">
+          <ac:chgData name="Shinjini Ghosh 3012" userId="8753df025f0669cc" providerId="LiveId" clId="{D90BEED1-1AF1-49D1-954A-0537436BF3B3}" dt="2025-11-15T17:32:22.502" v="196" actId="1076"/>
+          <ac:spMkLst>
+            <pc:docMk/>
+            <pc:sldMk cId="3420986016" sldId="260"/>
+            <ac:spMk id="9" creationId="{B2929367-E367-A3B8-D818-8D717BEC70F2}"/>
+          </ac:spMkLst>
+        </pc:spChg>
+        <pc:spChg chg="add mod">
+          <ac:chgData name="Shinjini Ghosh 3012" userId="8753df025f0669cc" providerId="LiveId" clId="{D90BEED1-1AF1-49D1-954A-0537436BF3B3}" dt="2025-11-15T17:32:27.749" v="198" actId="1076"/>
+          <ac:spMkLst>
+            <pc:docMk/>
+            <pc:sldMk cId="3420986016" sldId="260"/>
+            <ac:spMk id="10" creationId="{BF61AFE6-A507-7B80-B152-EE1B79D0FEE2}"/>
+          </ac:spMkLst>
+        </pc:spChg>
+        <pc:spChg chg="add mod">
+          <ac:chgData name="Shinjini Ghosh 3012" userId="8753df025f0669cc" providerId="LiveId" clId="{D90BEED1-1AF1-49D1-954A-0537436BF3B3}" dt="2025-11-15T17:25:56.590" v="171" actId="14100"/>
+          <ac:spMkLst>
+            <pc:docMk/>
+            <pc:sldMk cId="3420986016" sldId="260"/>
+            <ac:spMk id="11" creationId="{7F3CE380-8DDE-B16E-042B-4B3A6FDAE0AC}"/>
+          </ac:spMkLst>
+        </pc:spChg>
+        <pc:spChg chg="add mod">
+          <ac:chgData name="Shinjini Ghosh 3012" userId="8753df025f0669cc" providerId="LiveId" clId="{D90BEED1-1AF1-49D1-954A-0537436BF3B3}" dt="2025-11-15T17:26:45.601" v="179" actId="14100"/>
+          <ac:spMkLst>
+            <pc:docMk/>
+            <pc:sldMk cId="3420986016" sldId="260"/>
+            <ac:spMk id="12" creationId="{FF47429B-1ABB-BBEF-278D-46B7326FF75F}"/>
+          </ac:spMkLst>
+        </pc:spChg>
+        <pc:picChg chg="add mod">
+          <ac:chgData name="Shinjini Ghosh 3012" userId="8753df025f0669cc" providerId="LiveId" clId="{D90BEED1-1AF1-49D1-954A-0537436BF3B3}" dt="2025-11-15T17:32:55.361" v="202" actId="1076"/>
+          <ac:picMkLst>
+            <pc:docMk/>
+            <pc:sldMk cId="3420986016" sldId="260"/>
+            <ac:picMk id="14" creationId="{6E3509F4-A0EF-AE2C-39C1-92811E16EF85}"/>
+          </ac:picMkLst>
+        </pc:picChg>
+      </pc:sldChg>
+      <pc:sldChg chg="addSp delSp modSp mod">
+        <pc:chgData name="Shinjini Ghosh 3012" userId="8753df025f0669cc" providerId="LiveId" clId="{D90BEED1-1AF1-49D1-954A-0537436BF3B3}" dt="2025-11-15T17:54:12.679" v="384" actId="1076"/>
+        <pc:sldMkLst>
+          <pc:docMk/>
+          <pc:sldMk cId="218341592" sldId="261"/>
+        </pc:sldMkLst>
+        <pc:spChg chg="mod">
+          <ac:chgData name="Shinjini Ghosh 3012" userId="8753df025f0669cc" providerId="LiveId" clId="{D90BEED1-1AF1-49D1-954A-0537436BF3B3}" dt="2025-11-15T17:45:24.791" v="271" actId="115"/>
+          <ac:spMkLst>
+            <pc:docMk/>
+            <pc:sldMk cId="218341592" sldId="261"/>
+            <ac:spMk id="2" creationId="{EC7ED1D4-B906-C104-8CB0-E155AC661CAB}"/>
+          </ac:spMkLst>
+        </pc:spChg>
+        <pc:spChg chg="mod">
+          <ac:chgData name="Shinjini Ghosh 3012" userId="8753df025f0669cc" providerId="LiveId" clId="{D90BEED1-1AF1-49D1-954A-0537436BF3B3}" dt="2025-11-15T17:54:12.679" v="384" actId="1076"/>
+          <ac:spMkLst>
+            <pc:docMk/>
+            <pc:sldMk cId="218341592" sldId="261"/>
+            <ac:spMk id="3" creationId="{DFF6CDAF-2434-54B0-1BE6-2A66C5D93D9B}"/>
+          </ac:spMkLst>
+        </pc:spChg>
+        <pc:spChg chg="add del mod">
+          <ac:chgData name="Shinjini Ghosh 3012" userId="8753df025f0669cc" providerId="LiveId" clId="{D90BEED1-1AF1-49D1-954A-0537436BF3B3}" dt="2025-11-15T17:47:55.239" v="301" actId="478"/>
+          <ac:spMkLst>
+            <pc:docMk/>
+            <pc:sldMk cId="218341592" sldId="261"/>
+            <ac:spMk id="4" creationId="{39B861D3-91F5-4FA8-E50D-9B74A65949B3}"/>
+          </ac:spMkLst>
+        </pc:spChg>
+        <pc:spChg chg="add mod">
+          <ac:chgData name="Shinjini Ghosh 3012" userId="8753df025f0669cc" providerId="LiveId" clId="{D90BEED1-1AF1-49D1-954A-0537436BF3B3}" dt="2025-11-15T17:54:04.372" v="383" actId="207"/>
+          <ac:spMkLst>
+            <pc:docMk/>
+            <pc:sldMk cId="218341592" sldId="261"/>
+            <ac:spMk id="5" creationId="{51711F35-1B17-6A93-8568-8BE802E09326}"/>
+          </ac:spMkLst>
+        </pc:spChg>
+        <pc:spChg chg="add mod ord">
+          <ac:chgData name="Shinjini Ghosh 3012" userId="8753df025f0669cc" providerId="LiveId" clId="{D90BEED1-1AF1-49D1-954A-0537436BF3B3}" dt="2025-11-15T17:51:20.806" v="343" actId="1076"/>
+          <ac:spMkLst>
+            <pc:docMk/>
+            <pc:sldMk cId="218341592" sldId="261"/>
+            <ac:spMk id="6" creationId="{777F14FA-59D7-11AF-96EF-31A2368F0C5F}"/>
+          </ac:spMkLst>
+        </pc:spChg>
+        <pc:spChg chg="add mod ord">
+          <ac:chgData name="Shinjini Ghosh 3012" userId="8753df025f0669cc" providerId="LiveId" clId="{D90BEED1-1AF1-49D1-954A-0537436BF3B3}" dt="2025-11-15T17:51:43.358" v="347" actId="167"/>
+          <ac:spMkLst>
+            <pc:docMk/>
+            <pc:sldMk cId="218341592" sldId="261"/>
+            <ac:spMk id="7" creationId="{B4115F30-7D5F-639D-B2A5-D82B57FD8D0F}"/>
+          </ac:spMkLst>
+        </pc:spChg>
+        <pc:spChg chg="add mod ord">
+          <ac:chgData name="Shinjini Ghosh 3012" userId="8753df025f0669cc" providerId="LiveId" clId="{D90BEED1-1AF1-49D1-954A-0537436BF3B3}" dt="2025-11-15T17:52:02.597" v="353" actId="167"/>
+          <ac:spMkLst>
+            <pc:docMk/>
+            <pc:sldMk cId="218341592" sldId="261"/>
+            <ac:spMk id="8" creationId="{63ECD526-CA03-E4F0-01D5-29EE5403BEAC}"/>
+          </ac:spMkLst>
+        </pc:spChg>
+        <pc:spChg chg="add mod ord">
+          <ac:chgData name="Shinjini Ghosh 3012" userId="8753df025f0669cc" providerId="LiveId" clId="{D90BEED1-1AF1-49D1-954A-0537436BF3B3}" dt="2025-11-15T17:52:29.286" v="363" actId="167"/>
+          <ac:spMkLst>
+            <pc:docMk/>
+            <pc:sldMk cId="218341592" sldId="261"/>
+            <ac:spMk id="9" creationId="{59749222-9596-BBB9-0C28-66018BE33FF4}"/>
+          </ac:spMkLst>
+        </pc:spChg>
+        <pc:spChg chg="add mod ord">
+          <ac:chgData name="Shinjini Ghosh 3012" userId="8753df025f0669cc" providerId="LiveId" clId="{D90BEED1-1AF1-49D1-954A-0537436BF3B3}" dt="2025-11-15T17:52:46.886" v="367" actId="167"/>
+          <ac:spMkLst>
+            <pc:docMk/>
+            <pc:sldMk cId="218341592" sldId="261"/>
+            <ac:spMk id="10" creationId="{E65C2DDD-D95B-E1D8-8EAC-85587B2F39C8}"/>
+          </ac:spMkLst>
+        </pc:spChg>
+        <pc:spChg chg="add mod ord">
+          <ac:chgData name="Shinjini Ghosh 3012" userId="8753df025f0669cc" providerId="LiveId" clId="{D90BEED1-1AF1-49D1-954A-0537436BF3B3}" dt="2025-11-15T17:53:33.550" v="376" actId="14100"/>
+          <ac:spMkLst>
+            <pc:docMk/>
+            <pc:sldMk cId="218341592" sldId="261"/>
+            <ac:spMk id="11" creationId="{F9EC1442-023D-BE52-BE77-1045FF575143}"/>
+          </ac:spMkLst>
+        </pc:spChg>
+      </pc:sldChg>
+      <pc:sldChg chg="addSp modSp new mod">
+        <pc:chgData name="Shinjini Ghosh 3012" userId="8753df025f0669cc" providerId="LiveId" clId="{D90BEED1-1AF1-49D1-954A-0537436BF3B3}" dt="2025-11-16T16:35:52.480" v="786" actId="1076"/>
+        <pc:sldMkLst>
+          <pc:docMk/>
+          <pc:sldMk cId="2221908817" sldId="262"/>
+        </pc:sldMkLst>
+        <pc:spChg chg="mod">
+          <ac:chgData name="Shinjini Ghosh 3012" userId="8753df025f0669cc" providerId="LiveId" clId="{D90BEED1-1AF1-49D1-954A-0537436BF3B3}" dt="2025-11-16T16:18:22.957" v="614" actId="2711"/>
+          <ac:spMkLst>
+            <pc:docMk/>
+            <pc:sldMk cId="2221908817" sldId="262"/>
+            <ac:spMk id="2" creationId="{0D9EC015-4F6A-7BBD-9678-3CC36D24943E}"/>
+          </ac:spMkLst>
+        </pc:spChg>
+        <pc:spChg chg="mod">
+          <ac:chgData name="Shinjini Ghosh 3012" userId="8753df025f0669cc" providerId="LiveId" clId="{D90BEED1-1AF1-49D1-954A-0537436BF3B3}" dt="2025-11-16T16:03:41.592" v="580" actId="14100"/>
+          <ac:spMkLst>
+            <pc:docMk/>
+            <pc:sldMk cId="2221908817" sldId="262"/>
+            <ac:spMk id="3" creationId="{3CD09585-FA35-DCD3-9F5C-E12DE031BF0F}"/>
+          </ac:spMkLst>
+        </pc:spChg>
+        <pc:picChg chg="add mod">
+          <ac:chgData name="Shinjini Ghosh 3012" userId="8753df025f0669cc" providerId="LiveId" clId="{D90BEED1-1AF1-49D1-954A-0537436BF3B3}" dt="2025-11-16T16:35:52.480" v="786" actId="1076"/>
+          <ac:picMkLst>
+            <pc:docMk/>
+            <pc:sldMk cId="2221908817" sldId="262"/>
+            <ac:picMk id="2050" creationId="{8C4E251F-4A6C-04FD-542D-E9744AC183EE}"/>
+          </ac:picMkLst>
+        </pc:picChg>
+        <pc:picChg chg="add mod">
+          <ac:chgData name="Shinjini Ghosh 3012" userId="8753df025f0669cc" providerId="LiveId" clId="{D90BEED1-1AF1-49D1-954A-0537436BF3B3}" dt="2025-11-16T16:35:49.631" v="785" actId="1076"/>
+          <ac:picMkLst>
+            <pc:docMk/>
+            <pc:sldMk cId="2221908817" sldId="262"/>
+            <ac:picMk id="2052" creationId="{1A683A4C-0440-2695-D130-43679B903819}"/>
+          </ac:picMkLst>
+        </pc:picChg>
+      </pc:sldChg>
+      <pc:sldChg chg="del">
+        <pc:chgData name="Shinjini Ghosh 3012" userId="8753df025f0669cc" providerId="LiveId" clId="{D90BEED1-1AF1-49D1-954A-0537436BF3B3}" dt="2025-11-15T17:57:00.377" v="385" actId="47"/>
+        <pc:sldMkLst>
+          <pc:docMk/>
+          <pc:sldMk cId="2677863116" sldId="262"/>
+        </pc:sldMkLst>
+      </pc:sldChg>
+      <pc:sldChg chg="addSp modSp new mod">
+        <pc:chgData name="Shinjini Ghosh 3012" userId="8753df025f0669cc" providerId="LiveId" clId="{D90BEED1-1AF1-49D1-954A-0537436BF3B3}" dt="2025-11-16T16:35:35.545" v="782" actId="1076"/>
+        <pc:sldMkLst>
+          <pc:docMk/>
+          <pc:sldMk cId="4097204934" sldId="263"/>
+        </pc:sldMkLst>
+        <pc:spChg chg="mod">
+          <ac:chgData name="Shinjini Ghosh 3012" userId="8753df025f0669cc" providerId="LiveId" clId="{D90BEED1-1AF1-49D1-954A-0537436BF3B3}" dt="2025-11-16T16:35:28.560" v="780" actId="255"/>
+          <ac:spMkLst>
+            <pc:docMk/>
+            <pc:sldMk cId="4097204934" sldId="263"/>
+            <ac:spMk id="2" creationId="{D53BB0FC-83F3-2EB1-F68B-74B6D9959ED6}"/>
+          </ac:spMkLst>
+        </pc:spChg>
+        <pc:spChg chg="mod">
+          <ac:chgData name="Shinjini Ghosh 3012" userId="8753df025f0669cc" providerId="LiveId" clId="{D90BEED1-1AF1-49D1-954A-0537436BF3B3}" dt="2025-11-16T16:35:32.151" v="781" actId="1076"/>
+          <ac:spMkLst>
+            <pc:docMk/>
+            <pc:sldMk cId="4097204934" sldId="263"/>
+            <ac:spMk id="3" creationId="{B7D4F46C-93E7-4A8C-8625-1BC8869E9046}"/>
+          </ac:spMkLst>
+        </pc:spChg>
+        <pc:spChg chg="add">
+          <ac:chgData name="Shinjini Ghosh 3012" userId="8753df025f0669cc" providerId="LiveId" clId="{D90BEED1-1AF1-49D1-954A-0537436BF3B3}" dt="2025-11-16T16:29:56.364" v="702"/>
+          <ac:spMkLst>
+            <pc:docMk/>
+            <pc:sldMk cId="4097204934" sldId="263"/>
+            <ac:spMk id="4" creationId="{1E3387E8-CB9C-33C3-8A77-D687758E2861}"/>
+          </ac:spMkLst>
+        </pc:spChg>
+        <pc:spChg chg="add mod">
+          <ac:chgData name="Shinjini Ghosh 3012" userId="8753df025f0669cc" providerId="LiveId" clId="{D90BEED1-1AF1-49D1-954A-0537436BF3B3}" dt="2025-11-16T16:30:13.304" v="707" actId="15"/>
+          <ac:spMkLst>
+            <pc:docMk/>
+            <pc:sldMk cId="4097204934" sldId="263"/>
+            <ac:spMk id="5" creationId="{C3E4E7DA-709E-2BCD-2486-528F9014F163}"/>
+          </ac:spMkLst>
+        </pc:spChg>
+        <pc:spChg chg="add mod">
+          <ac:chgData name="Shinjini Ghosh 3012" userId="8753df025f0669cc" providerId="LiveId" clId="{D90BEED1-1AF1-49D1-954A-0537436BF3B3}" dt="2025-11-16T16:35:35.545" v="782" actId="1076"/>
+          <ac:spMkLst>
+            <pc:docMk/>
+            <pc:sldMk cId="4097204934" sldId="263"/>
+            <ac:spMk id="6" creationId="{329E1F38-5399-1362-C293-FE4838ED40DD}"/>
+          </ac:spMkLst>
+        </pc:spChg>
+        <pc:spChg chg="add mod">
+          <ac:chgData name="Shinjini Ghosh 3012" userId="8753df025f0669cc" providerId="LiveId" clId="{D90BEED1-1AF1-49D1-954A-0537436BF3B3}" dt="2025-11-16T16:35:11.065" v="778" actId="1076"/>
+          <ac:spMkLst>
+            <pc:docMk/>
+            <pc:sldMk cId="4097204934" sldId="263"/>
+            <ac:spMk id="7" creationId="{A6DFC7CF-0D83-1AA9-2FF2-1665FA0DAB25}"/>
+          </ac:spMkLst>
+        </pc:spChg>
+      </pc:sldChg>
+    </pc:docChg>
+  </pc:docChgLst>
+</pc:chgInfo>
 </file>
 
 <file path=ppt/slideLayouts/slideLayout1.xml><?xml version="1.0" encoding="utf-8"?>
@@ -5758,7 +6164,12 @@
             <p:ph type="title"/>
           </p:nvPr>
         </p:nvSpPr>
-        <p:spPr/>
+        <p:spPr>
+          <a:xfrm>
+            <a:off x="919118" y="283597"/>
+            <a:ext cx="10353761" cy="1326321"/>
+          </a:xfrm>
+        </p:spPr>
         <p:txBody>
           <a:bodyPr>
             <a:normAutofit/>
@@ -5774,6 +6185,184 @@
             <a:endParaRPr lang="en-IN" sz="4000" u="sng" dirty="0">
               <a:latin typeface="Algerian" panose="04020705040A02060702" pitchFamily="82" charset="0"/>
             </a:endParaRPr>
+          </a:p>
+        </p:txBody>
+      </p:sp>
+      <p:sp>
+        <p:nvSpPr>
+          <p:cNvPr id="4" name="TextBox 3">
+            <a:extLst>
+              <a:ext uri="{FF2B5EF4-FFF2-40B4-BE49-F238E27FC236}">
+                <a16:creationId xmlns:a16="http://schemas.microsoft.com/office/drawing/2014/main" id="{1FDC79F6-2309-2AAA-754B-1DE140A7CE0D}"/>
+              </a:ext>
+            </a:extLst>
+          </p:cNvPr>
+          <p:cNvSpPr txBox="1"/>
+          <p:nvPr/>
+        </p:nvSpPr>
+        <p:spPr>
+          <a:xfrm>
+            <a:off x="724892" y="1609918"/>
+            <a:ext cx="10742212" cy="4847481"/>
+          </a:xfrm>
+          <a:prstGeom prst="rect">
+            <a:avLst/>
+          </a:prstGeom>
+          <a:noFill/>
+        </p:spPr>
+        <p:txBody>
+          <a:bodyPr wrap="square" rtlCol="0">
+            <a:spAutoFit/>
+          </a:bodyPr>
+          <a:lstStyle/>
+          <a:p>
+            <a:pPr algn="just"/>
+            <a:r>
+              <a:rPr lang="en-US" sz="2300" dirty="0">
+                <a:latin typeface="Bodoni MT" panose="02070603080606020203" pitchFamily="18" charset="0"/>
+              </a:rPr>
+              <a:t>Higher organizations struggle to manually analyze large volumes of textual data (social media posts, customer reviews, support tickets) to understand emotional sentiment. This leads to:</a:t>
+            </a:r>
+          </a:p>
+          <a:p>
+            <a:pPr marL="342900" indent="-342900" algn="just">
+              <a:buFont typeface="Arial" panose="020B0604020202020204" pitchFamily="34" charset="0"/>
+              <a:buChar char="•"/>
+            </a:pPr>
+            <a:r>
+              <a:rPr lang="en-US" sz="2300" b="1" dirty="0">
+                <a:latin typeface="Bodoni MT" panose="02070603080606020203" pitchFamily="18" charset="0"/>
+              </a:rPr>
+              <a:t>Delayed Response</a:t>
+            </a:r>
+            <a:r>
+              <a:rPr lang="en-US" sz="2300" dirty="0">
+                <a:latin typeface="Bodoni MT" panose="02070603080606020203" pitchFamily="18" charset="0"/>
+              </a:rPr>
+              <a:t> - Unable to identify urgent negative feedback quickly.</a:t>
+            </a:r>
+          </a:p>
+          <a:p>
+            <a:pPr marL="342900" indent="-342900" algn="just">
+              <a:buFont typeface="Arial" panose="020B0604020202020204" pitchFamily="34" charset="0"/>
+              <a:buChar char="•"/>
+            </a:pPr>
+            <a:r>
+              <a:rPr lang="en-US" sz="2300" b="1" dirty="0">
+                <a:latin typeface="Bodoni MT" panose="02070603080606020203" pitchFamily="18" charset="0"/>
+              </a:rPr>
+              <a:t>Resource Intensive</a:t>
+            </a:r>
+            <a:r>
+              <a:rPr lang="en-US" sz="2300" dirty="0">
+                <a:latin typeface="Bodoni MT" panose="02070603080606020203" pitchFamily="18" charset="0"/>
+              </a:rPr>
+              <a:t> - Manual emotion analysis is time-consuming and costly.</a:t>
+            </a:r>
+          </a:p>
+          <a:p>
+            <a:pPr marL="342900" indent="-342900" algn="just">
+              <a:buFont typeface="Arial" panose="020B0604020202020204" pitchFamily="34" charset="0"/>
+              <a:buChar char="•"/>
+            </a:pPr>
+            <a:r>
+              <a:rPr lang="en-US" sz="2300" b="1" dirty="0">
+                <a:latin typeface="Bodoni MT" panose="02070603080606020203" pitchFamily="18" charset="0"/>
+              </a:rPr>
+              <a:t>Inconsistent Results</a:t>
+            </a:r>
+            <a:r>
+              <a:rPr lang="en-US" sz="2300" dirty="0">
+                <a:latin typeface="Bodoni MT" panose="02070603080606020203" pitchFamily="18" charset="0"/>
+              </a:rPr>
+              <a:t> - Human interpretation varies between analysts.</a:t>
+            </a:r>
+          </a:p>
+          <a:p>
+            <a:pPr marL="342900" indent="-342900" algn="just">
+              <a:buFont typeface="Arial" panose="020B0604020202020204" pitchFamily="34" charset="0"/>
+              <a:buChar char="•"/>
+            </a:pPr>
+            <a:r>
+              <a:rPr lang="en-US" sz="2300" b="1" dirty="0">
+                <a:latin typeface="Bodoni MT" panose="02070603080606020203" pitchFamily="18" charset="0"/>
+              </a:rPr>
+              <a:t>Missed Insights</a:t>
+            </a:r>
+            <a:r>
+              <a:rPr lang="en-US" sz="2300" dirty="0">
+                <a:latin typeface="Bodoni MT" panose="02070603080606020203" pitchFamily="18" charset="0"/>
+              </a:rPr>
+              <a:t> - Cannot process thousands of messages for trend detection.</a:t>
+            </a:r>
+          </a:p>
+          <a:p>
+            <a:pPr marL="342900" indent="-342900" algn="just">
+              <a:buFont typeface="Arial" panose="020B0604020202020204" pitchFamily="34" charset="0"/>
+              <a:buChar char="•"/>
+            </a:pPr>
+            <a:r>
+              <a:rPr lang="en-US" sz="2300" b="1" dirty="0">
+                <a:latin typeface="Bodoni MT" panose="02070603080606020203" pitchFamily="18" charset="0"/>
+              </a:rPr>
+              <a:t>Poor Customer Experience</a:t>
+            </a:r>
+            <a:r>
+              <a:rPr lang="en-US" sz="2300" dirty="0">
+                <a:latin typeface="Bodoni MT" panose="02070603080606020203" pitchFamily="18" charset="0"/>
+              </a:rPr>
+              <a:t> - Late identification of dissatisfied customers.</a:t>
+            </a:r>
+            <a:br>
+              <a:rPr lang="en-US" sz="2300" dirty="0">
+                <a:latin typeface="Bodoni MT" panose="02070603080606020203" pitchFamily="18" charset="0"/>
+              </a:rPr>
+            </a:br>
+            <a:endParaRPr lang="en-US" sz="2300" dirty="0">
+              <a:latin typeface="Bodoni MT" panose="02070603080606020203" pitchFamily="18" charset="0"/>
+            </a:endParaRPr>
+          </a:p>
+          <a:p>
+            <a:pPr marL="342900" indent="-342900" algn="just">
+              <a:buFont typeface="Wingdings" panose="05000000000000000000" pitchFamily="2" charset="2"/>
+              <a:buChar char="Ø"/>
+            </a:pPr>
+            <a:r>
+              <a:rPr lang="en-US" sz="2300" b="1" dirty="0">
+                <a:latin typeface="Bodoni MT" panose="02070603080606020203" pitchFamily="18" charset="0"/>
+              </a:rPr>
+              <a:t>Need:</a:t>
+            </a:r>
+            <a:r>
+              <a:rPr lang="en-US" sz="2300" dirty="0">
+                <a:latin typeface="Bodoni MT" panose="02070603080606020203" pitchFamily="18" charset="0"/>
+              </a:rPr>
+              <a:t> Automated system to classify text emotions (happy, sad, angry, surprise, fear, neutral) in real-time for actionable insights.</a:t>
+            </a:r>
+          </a:p>
+          <a:p>
+            <a:pPr algn="just"/>
+            <a:endParaRPr lang="en-US" sz="1000" dirty="0">
+              <a:latin typeface="Bodoni MT" panose="02070603080606020203" pitchFamily="18" charset="0"/>
+            </a:endParaRPr>
+          </a:p>
+          <a:p>
+            <a:pPr marL="342900" indent="-342900" algn="just">
+              <a:buFont typeface="Wingdings" panose="05000000000000000000" pitchFamily="2" charset="2"/>
+              <a:buChar char="Ø"/>
+            </a:pPr>
+            <a:r>
+              <a:rPr lang="en-US" sz="2300" b="1" dirty="0">
+                <a:latin typeface="Bodoni MT" panose="02070603080606020203" pitchFamily="18" charset="0"/>
+              </a:rPr>
+              <a:t>Emotion Detection System</a:t>
+            </a:r>
+            <a:r>
+              <a:rPr lang="en-US" sz="2300" dirty="0">
+                <a:latin typeface="Bodoni MT" panose="02070603080606020203" pitchFamily="18" charset="0"/>
+              </a:rPr>
+              <a:t> - Rule-based NLP classifier that automatically identifies emotions from text.</a:t>
+            </a:r>
           </a:p>
         </p:txBody>
       </p:sp>
@@ -5809,6 +6398,76 @@
       </p:grpSpPr>
       <p:sp>
         <p:nvSpPr>
+          <p:cNvPr id="6" name="Rectangle: Rounded Corners 5">
+            <a:extLst>
+              <a:ext uri="{FF2B5EF4-FFF2-40B4-BE49-F238E27FC236}">
+                <a16:creationId xmlns:a16="http://schemas.microsoft.com/office/drawing/2014/main" id="{C0DC8C60-5298-ECFD-0C53-D6A1ECAAA1EF}"/>
+              </a:ext>
+            </a:extLst>
+          </p:cNvPr>
+          <p:cNvSpPr/>
+          <p:nvPr/>
+        </p:nvSpPr>
+        <p:spPr>
+          <a:xfrm>
+            <a:off x="261258" y="1405556"/>
+            <a:ext cx="5013476" cy="3133787"/>
+          </a:xfrm>
+          <a:prstGeom prst="roundRect">
+            <a:avLst/>
+          </a:prstGeom>
+          <a:gradFill flip="none" rotWithShape="1">
+            <a:gsLst>
+              <a:gs pos="0">
+                <a:schemeClr val="accent1">
+                  <a:lumMod val="67000"/>
+                </a:schemeClr>
+              </a:gs>
+              <a:gs pos="48000">
+                <a:schemeClr val="accent1">
+                  <a:lumMod val="97000"/>
+                  <a:lumOff val="3000"/>
+                </a:schemeClr>
+              </a:gs>
+              <a:gs pos="100000">
+                <a:schemeClr val="accent1">
+                  <a:lumMod val="60000"/>
+                  <a:lumOff val="40000"/>
+                </a:schemeClr>
+              </a:gs>
+            </a:gsLst>
+            <a:lin ang="16200000" scaled="1"/>
+            <a:tileRect/>
+          </a:gradFill>
+          <a:ln>
+            <a:noFill/>
+          </a:ln>
+        </p:spPr>
+        <p:style>
+          <a:lnRef idx="0">
+            <a:scrgbClr r="0" g="0" b="0"/>
+          </a:lnRef>
+          <a:fillRef idx="0">
+            <a:scrgbClr r="0" g="0" b="0"/>
+          </a:fillRef>
+          <a:effectRef idx="0">
+            <a:scrgbClr r="0" g="0" b="0"/>
+          </a:effectRef>
+          <a:fontRef idx="minor">
+            <a:schemeClr val="lt1"/>
+          </a:fontRef>
+        </p:style>
+        <p:txBody>
+          <a:bodyPr rtlCol="0" anchor="ctr"/>
+          <a:lstStyle/>
+          <a:p>
+            <a:pPr algn="ctr"/>
+            <a:endParaRPr lang="en-IN"/>
+          </a:p>
+        </p:txBody>
+      </p:sp>
+      <p:sp>
+        <p:nvSpPr>
           <p:cNvPr id="2" name="Title 1">
             <a:extLst>
               <a:ext uri="{FF2B5EF4-FFF2-40B4-BE49-F238E27FC236}">
@@ -5823,40 +6482,821 @@
             <p:ph type="title"/>
           </p:nvPr>
         </p:nvSpPr>
-        <p:spPr/>
-        <p:txBody>
-          <a:bodyPr/>
-          <a:lstStyle/>
-          <a:p>
-            <a:endParaRPr lang="en-IN"/>
-          </a:p>
-        </p:txBody>
-      </p:sp>
-      <p:sp>
-        <p:nvSpPr>
-          <p:cNvPr id="3" name="Content Placeholder 2">
+        <p:spPr>
+          <a:xfrm>
+            <a:off x="913795" y="195359"/>
+            <a:ext cx="10353761" cy="1326321"/>
+          </a:xfrm>
+        </p:spPr>
+        <p:txBody>
+          <a:bodyPr>
+            <a:normAutofit/>
+          </a:bodyPr>
+          <a:lstStyle/>
+          <a:p>
+            <a:r>
+              <a:rPr lang="en-US" sz="5000" u="sng" dirty="0"/>
+              <a:t>Technology used:</a:t>
+            </a:r>
+            <a:endParaRPr lang="en-IN" sz="5000" u="sng" dirty="0"/>
+          </a:p>
+        </p:txBody>
+      </p:sp>
+      <p:sp>
+        <p:nvSpPr>
+          <p:cNvPr id="5" name="Rectangle 2">
             <a:extLst>
               <a:ext uri="{FF2B5EF4-FFF2-40B4-BE49-F238E27FC236}">
-                <a16:creationId xmlns:a16="http://schemas.microsoft.com/office/drawing/2014/main" id="{B30F7B84-844B-9053-8CC5-3BD80E5F4EC9}"/>
+                <a16:creationId xmlns:a16="http://schemas.microsoft.com/office/drawing/2014/main" id="{0DE0C85C-580E-A943-B498-938F10198933}"/>
               </a:ext>
             </a:extLst>
           </p:cNvPr>
           <p:cNvSpPr>
-            <a:spLocks noGrp="1"/>
+            <a:spLocks noGrp="1" noChangeArrowheads="1"/>
           </p:cNvSpPr>
           <p:nvPr>
             <p:ph idx="1"/>
           </p:nvPr>
         </p:nvSpPr>
-        <p:spPr/>
-        <p:txBody>
-          <a:bodyPr/>
-          <a:lstStyle/>
-          <a:p>
+        <p:spPr bwMode="auto">
+          <a:xfrm>
+            <a:off x="450931" y="1653938"/>
+            <a:ext cx="5013476" cy="2569934"/>
+          </a:xfrm>
+          <a:prstGeom prst="rect">
+            <a:avLst/>
+          </a:prstGeom>
+          <a:noFill/>
+          <a:ln>
+            <a:noFill/>
+          </a:ln>
+          <a:effectLst/>
+          <a:extLst>
+            <a:ext uri="{909E8E84-426E-40DD-AFC4-6F175D3DCCD1}">
+              <a14:hiddenFill xmlns:a14="http://schemas.microsoft.com/office/drawing/2010/main">
+                <a:solidFill>
+                  <a:schemeClr val="accent1"/>
+                </a:solidFill>
+              </a14:hiddenFill>
+            </a:ext>
+            <a:ext uri="{91240B29-F687-4F45-9708-019B960494DF}">
+              <a14:hiddenLine xmlns:a14="http://schemas.microsoft.com/office/drawing/2010/main" w="9525">
+                <a:solidFill>
+                  <a:schemeClr val="tx1"/>
+                </a:solidFill>
+                <a:miter lim="800000"/>
+                <a:headEnd/>
+                <a:tailEnd/>
+              </a14:hiddenLine>
+            </a:ext>
+            <a:ext uri="{AF507438-7753-43E0-B8FC-AC1667EBCBE1}">
+              <a14:hiddenEffects xmlns:a14="http://schemas.microsoft.com/office/drawing/2010/main">
+                <a:effectLst>
+                  <a:outerShdw dist="35921" dir="2700000" algn="ctr" rotWithShape="0">
+                    <a:schemeClr val="bg2"/>
+                  </a:outerShdw>
+                </a:effectLst>
+              </a14:hiddenEffects>
+            </a:ext>
+          </a:extLst>
+        </p:spPr>
+        <p:txBody>
+          <a:bodyPr vert="horz" wrap="square" lIns="91440" tIns="45720" rIns="91440" bIns="45720" numCol="1" anchor="ctr" anchorCtr="0" compatLnSpc="1">
+            <a:prstTxWarp prst="textNoShape">
+              <a:avLst/>
+            </a:prstTxWarp>
+            <a:spAutoFit/>
+          </a:bodyPr>
+          <a:lstStyle/>
+          <a:p>
+            <a:pPr marL="0" marR="0" lvl="0" indent="0" algn="l" defTabSz="914400" rtl="0" eaLnBrk="0" fontAlgn="base" latinLnBrk="0" hangingPunct="0">
+              <a:lnSpc>
+                <a:spcPct val="100000"/>
+              </a:lnSpc>
+              <a:spcBef>
+                <a:spcPct val="0"/>
+              </a:spcBef>
+              <a:spcAft>
+                <a:spcPct val="0"/>
+              </a:spcAft>
+              <a:buClrTx/>
+              <a:buSzTx/>
+              <a:buFontTx/>
+              <a:buChar char="•"/>
+              <a:tabLst/>
+            </a:pPr>
+            <a:r>
+              <a:rPr kumimoji="0" lang="en-US" altLang="en-US" sz="2300" i="0" u="none" strike="noStrike" cap="none" normalizeH="0" baseline="0" dirty="0">
+                <a:ln>
+                  <a:noFill/>
+                </a:ln>
+                <a:solidFill>
+                  <a:schemeClr val="bg1"/>
+                </a:solidFill>
+                <a:effectLst/>
+                <a:latin typeface="Bodoni MT" panose="02070603080606020203" pitchFamily="18" charset="0"/>
+              </a:rPr>
+              <a:t>Python </a:t>
+            </a:r>
+          </a:p>
+          <a:p>
+            <a:pPr marL="0" marR="0" lvl="0" indent="0" algn="l" defTabSz="914400" rtl="0" eaLnBrk="0" fontAlgn="base" latinLnBrk="0" hangingPunct="0">
+              <a:lnSpc>
+                <a:spcPct val="100000"/>
+              </a:lnSpc>
+              <a:spcBef>
+                <a:spcPct val="0"/>
+              </a:spcBef>
+              <a:spcAft>
+                <a:spcPct val="0"/>
+              </a:spcAft>
+              <a:buClrTx/>
+              <a:buSzTx/>
+              <a:buFontTx/>
+              <a:buChar char="•"/>
+              <a:tabLst/>
+            </a:pPr>
+            <a:r>
+              <a:rPr kumimoji="0" lang="en-US" altLang="en-US" sz="2300" i="0" u="none" strike="noStrike" cap="none" normalizeH="0" baseline="0" dirty="0">
+                <a:ln>
+                  <a:noFill/>
+                </a:ln>
+                <a:solidFill>
+                  <a:schemeClr val="bg1"/>
+                </a:solidFill>
+                <a:effectLst/>
+                <a:latin typeface="Bodoni MT" panose="02070603080606020203" pitchFamily="18" charset="0"/>
+              </a:rPr>
+              <a:t>Natural Language Processing (NLP) </a:t>
+            </a:r>
+          </a:p>
+          <a:p>
+            <a:pPr marL="0" marR="0" lvl="0" indent="0" algn="l" defTabSz="914400" rtl="0" eaLnBrk="0" fontAlgn="base" latinLnBrk="0" hangingPunct="0">
+              <a:lnSpc>
+                <a:spcPct val="100000"/>
+              </a:lnSpc>
+              <a:spcBef>
+                <a:spcPct val="0"/>
+              </a:spcBef>
+              <a:spcAft>
+                <a:spcPct val="0"/>
+              </a:spcAft>
+              <a:buClrTx/>
+              <a:buSzTx/>
+              <a:buFontTx/>
+              <a:buChar char="•"/>
+              <a:tabLst/>
+            </a:pPr>
+            <a:r>
+              <a:rPr kumimoji="0" lang="en-US" altLang="en-US" sz="2300" i="0" u="none" strike="noStrike" cap="none" normalizeH="0" baseline="0" dirty="0">
+                <a:ln>
+                  <a:noFill/>
+                </a:ln>
+                <a:solidFill>
+                  <a:schemeClr val="bg1"/>
+                </a:solidFill>
+                <a:effectLst/>
+                <a:latin typeface="Bodoni MT" panose="02070603080606020203" pitchFamily="18" charset="0"/>
+              </a:rPr>
+              <a:t>Regular Expressions (Regex) </a:t>
+            </a:r>
+          </a:p>
+          <a:p>
+            <a:pPr marL="0" marR="0" lvl="0" indent="0" algn="l" defTabSz="914400" rtl="0" eaLnBrk="0" fontAlgn="base" latinLnBrk="0" hangingPunct="0">
+              <a:lnSpc>
+                <a:spcPct val="100000"/>
+              </a:lnSpc>
+              <a:spcBef>
+                <a:spcPct val="0"/>
+              </a:spcBef>
+              <a:spcAft>
+                <a:spcPct val="0"/>
+              </a:spcAft>
+              <a:buClrTx/>
+              <a:buSzTx/>
+              <a:buFontTx/>
+              <a:buChar char="•"/>
+              <a:tabLst/>
+            </a:pPr>
+            <a:r>
+              <a:rPr kumimoji="0" lang="en-US" altLang="en-US" sz="2300" i="0" u="none" strike="noStrike" cap="none" normalizeH="0" baseline="0" dirty="0">
+                <a:ln>
+                  <a:noFill/>
+                </a:ln>
+                <a:solidFill>
+                  <a:schemeClr val="bg1"/>
+                </a:solidFill>
+                <a:effectLst/>
+                <a:latin typeface="Bodoni MT" panose="02070603080606020203" pitchFamily="18" charset="0"/>
+              </a:rPr>
+              <a:t>String Processing </a:t>
+            </a:r>
+          </a:p>
+          <a:p>
+            <a:pPr marL="0" marR="0" lvl="0" indent="0" algn="l" defTabSz="914400" rtl="0" eaLnBrk="0" fontAlgn="base" latinLnBrk="0" hangingPunct="0">
+              <a:lnSpc>
+                <a:spcPct val="100000"/>
+              </a:lnSpc>
+              <a:spcBef>
+                <a:spcPct val="0"/>
+              </a:spcBef>
+              <a:spcAft>
+                <a:spcPct val="0"/>
+              </a:spcAft>
+              <a:buClrTx/>
+              <a:buSzTx/>
+              <a:buFontTx/>
+              <a:buChar char="•"/>
+              <a:tabLst/>
+            </a:pPr>
+            <a:r>
+              <a:rPr kumimoji="0" lang="en-US" altLang="en-US" sz="2300" i="0" u="none" strike="noStrike" cap="none" normalizeH="0" baseline="0" dirty="0">
+                <a:ln>
+                  <a:noFill/>
+                </a:ln>
+                <a:solidFill>
+                  <a:schemeClr val="bg1"/>
+                </a:solidFill>
+                <a:effectLst/>
+                <a:latin typeface="Bodoni MT" panose="02070603080606020203" pitchFamily="18" charset="0"/>
+              </a:rPr>
+              <a:t>Collections Module </a:t>
+            </a:r>
+          </a:p>
+          <a:p>
+            <a:pPr marL="0" marR="0" lvl="0" indent="0" algn="l" defTabSz="914400" rtl="0" eaLnBrk="0" fontAlgn="base" latinLnBrk="0" hangingPunct="0">
+              <a:lnSpc>
+                <a:spcPct val="100000"/>
+              </a:lnSpc>
+              <a:spcBef>
+                <a:spcPct val="0"/>
+              </a:spcBef>
+              <a:spcAft>
+                <a:spcPct val="0"/>
+              </a:spcAft>
+              <a:buClrTx/>
+              <a:buSzTx/>
+              <a:buFontTx/>
+              <a:buChar char="•"/>
+              <a:tabLst/>
+            </a:pPr>
+            <a:r>
+              <a:rPr kumimoji="0" lang="en-US" altLang="en-US" sz="2300" i="0" u="none" strike="noStrike" cap="none" normalizeH="0" baseline="0" dirty="0">
+                <a:ln>
+                  <a:noFill/>
+                </a:ln>
+                <a:solidFill>
+                  <a:schemeClr val="bg1"/>
+                </a:solidFill>
+                <a:effectLst/>
+                <a:latin typeface="Bodoni MT" panose="02070603080606020203" pitchFamily="18" charset="0"/>
+              </a:rPr>
+              <a:t>Counter &amp; Dictionary </a:t>
+            </a:r>
+          </a:p>
+          <a:p>
+            <a:pPr marL="0" marR="0" lvl="0" indent="0" algn="l" defTabSz="914400" rtl="0" eaLnBrk="0" fontAlgn="base" latinLnBrk="0" hangingPunct="0">
+              <a:lnSpc>
+                <a:spcPct val="100000"/>
+              </a:lnSpc>
+              <a:spcBef>
+                <a:spcPct val="0"/>
+              </a:spcBef>
+              <a:spcAft>
+                <a:spcPct val="0"/>
+              </a:spcAft>
+              <a:buClrTx/>
+              <a:buSzTx/>
+              <a:buFontTx/>
+              <a:buChar char="•"/>
+              <a:tabLst/>
+            </a:pPr>
+            <a:r>
+              <a:rPr kumimoji="0" lang="en-US" altLang="en-US" sz="2300" i="0" u="none" strike="noStrike" cap="none" normalizeH="0" baseline="0" dirty="0">
+                <a:ln>
+                  <a:noFill/>
+                </a:ln>
+                <a:solidFill>
+                  <a:schemeClr val="bg1"/>
+                </a:solidFill>
+                <a:effectLst/>
+                <a:latin typeface="Bodoni MT" panose="02070603080606020203" pitchFamily="18" charset="0"/>
+              </a:rPr>
+              <a:t>Type Hinting </a:t>
+            </a:r>
+          </a:p>
+        </p:txBody>
+      </p:sp>
+      <p:sp>
+        <p:nvSpPr>
+          <p:cNvPr id="7" name="Rectangle: Rounded Corners 6">
+            <a:extLst>
+              <a:ext uri="{FF2B5EF4-FFF2-40B4-BE49-F238E27FC236}">
+                <a16:creationId xmlns:a16="http://schemas.microsoft.com/office/drawing/2014/main" id="{3BB08A94-F79B-DC71-9271-8E5D54A9B84B}"/>
+              </a:ext>
+            </a:extLst>
+          </p:cNvPr>
+          <p:cNvSpPr/>
+          <p:nvPr/>
+        </p:nvSpPr>
+        <p:spPr>
+          <a:xfrm>
+            <a:off x="5405060" y="1405555"/>
+            <a:ext cx="4089968" cy="3133787"/>
+          </a:xfrm>
+          <a:prstGeom prst="roundRect">
+            <a:avLst/>
+          </a:prstGeom>
+          <a:gradFill flip="none" rotWithShape="1">
+            <a:gsLst>
+              <a:gs pos="0">
+                <a:schemeClr val="accent1">
+                  <a:lumMod val="67000"/>
+                </a:schemeClr>
+              </a:gs>
+              <a:gs pos="48000">
+                <a:schemeClr val="accent1">
+                  <a:lumMod val="97000"/>
+                  <a:lumOff val="3000"/>
+                </a:schemeClr>
+              </a:gs>
+              <a:gs pos="100000">
+                <a:schemeClr val="accent1">
+                  <a:lumMod val="60000"/>
+                  <a:lumOff val="40000"/>
+                </a:schemeClr>
+              </a:gs>
+            </a:gsLst>
+            <a:lin ang="16200000" scaled="1"/>
+            <a:tileRect/>
+          </a:gradFill>
+          <a:ln>
+            <a:noFill/>
+          </a:ln>
+        </p:spPr>
+        <p:style>
+          <a:lnRef idx="0">
+            <a:scrgbClr r="0" g="0" b="0"/>
+          </a:lnRef>
+          <a:fillRef idx="0">
+            <a:scrgbClr r="0" g="0" b="0"/>
+          </a:fillRef>
+          <a:effectRef idx="0">
+            <a:scrgbClr r="0" g="0" b="0"/>
+          </a:effectRef>
+          <a:fontRef idx="minor">
+            <a:schemeClr val="lt1"/>
+          </a:fontRef>
+        </p:style>
+        <p:txBody>
+          <a:bodyPr rtlCol="0" anchor="ctr"/>
+          <a:lstStyle/>
+          <a:p>
+            <a:pPr algn="ctr"/>
             <a:endParaRPr lang="en-IN"/>
           </a:p>
         </p:txBody>
       </p:sp>
+      <p:sp>
+        <p:nvSpPr>
+          <p:cNvPr id="8" name="TextBox 7">
+            <a:extLst>
+              <a:ext uri="{FF2B5EF4-FFF2-40B4-BE49-F238E27FC236}">
+                <a16:creationId xmlns:a16="http://schemas.microsoft.com/office/drawing/2014/main" id="{29C96519-7B13-36EC-664A-0AFF3E2A9DA0}"/>
+              </a:ext>
+            </a:extLst>
+          </p:cNvPr>
+          <p:cNvSpPr txBox="1"/>
+          <p:nvPr/>
+        </p:nvSpPr>
+        <p:spPr>
+          <a:xfrm>
+            <a:off x="5464407" y="1969409"/>
+            <a:ext cx="4356437" cy="1938992"/>
+          </a:xfrm>
+          <a:prstGeom prst="rect">
+            <a:avLst/>
+          </a:prstGeom>
+          <a:noFill/>
+        </p:spPr>
+        <p:txBody>
+          <a:bodyPr wrap="square" rtlCol="0">
+            <a:spAutoFit/>
+          </a:bodyPr>
+          <a:lstStyle/>
+          <a:p>
+            <a:r>
+              <a:rPr lang="en-US" sz="2400" b="1" dirty="0">
+                <a:solidFill>
+                  <a:schemeClr val="bg1"/>
+                </a:solidFill>
+                <a:latin typeface="Bodoni MT" panose="02070603080606020203" pitchFamily="18" charset="0"/>
+              </a:rPr>
+              <a:t>Key Libraries:</a:t>
+            </a:r>
+          </a:p>
+          <a:p>
+            <a:pPr marL="342900" indent="-342900">
+              <a:buFont typeface="Arial" panose="020B0604020202020204" pitchFamily="34" charset="0"/>
+              <a:buChar char="•"/>
+            </a:pPr>
+            <a:r>
+              <a:rPr lang="en-US" sz="2400" b="1" dirty="0">
+                <a:solidFill>
+                  <a:schemeClr val="bg1"/>
+                </a:solidFill>
+                <a:latin typeface="Bodoni MT" panose="02070603080606020203" pitchFamily="18" charset="0"/>
+              </a:rPr>
+              <a:t>re</a:t>
+            </a:r>
+            <a:r>
+              <a:rPr lang="en-US" sz="2400" dirty="0">
+                <a:solidFill>
+                  <a:schemeClr val="bg1"/>
+                </a:solidFill>
+                <a:latin typeface="Bodoni MT" panose="02070603080606020203" pitchFamily="18" charset="0"/>
+              </a:rPr>
+              <a:t> - Text pattern matching</a:t>
+            </a:r>
+          </a:p>
+          <a:p>
+            <a:pPr marL="342900" indent="-342900">
+              <a:buFont typeface="Arial" panose="020B0604020202020204" pitchFamily="34" charset="0"/>
+              <a:buChar char="•"/>
+            </a:pPr>
+            <a:r>
+              <a:rPr lang="en-US" sz="2400" b="1" dirty="0">
+                <a:solidFill>
+                  <a:schemeClr val="bg1"/>
+                </a:solidFill>
+                <a:latin typeface="Bodoni MT" panose="02070603080606020203" pitchFamily="18" charset="0"/>
+              </a:rPr>
+              <a:t>string</a:t>
+            </a:r>
+            <a:r>
+              <a:rPr lang="en-US" sz="2400" dirty="0">
+                <a:solidFill>
+                  <a:schemeClr val="bg1"/>
+                </a:solidFill>
+                <a:latin typeface="Bodoni MT" panose="02070603080606020203" pitchFamily="18" charset="0"/>
+              </a:rPr>
+              <a:t> - Text manipulation</a:t>
+            </a:r>
+          </a:p>
+          <a:p>
+            <a:pPr marL="342900" indent="-342900">
+              <a:buFont typeface="Arial" panose="020B0604020202020204" pitchFamily="34" charset="0"/>
+              <a:buChar char="•"/>
+            </a:pPr>
+            <a:r>
+              <a:rPr lang="en-US" sz="2400" b="1" dirty="0">
+                <a:solidFill>
+                  <a:schemeClr val="bg1"/>
+                </a:solidFill>
+                <a:latin typeface="Bodoni MT" panose="02070603080606020203" pitchFamily="18" charset="0"/>
+              </a:rPr>
+              <a:t>collections</a:t>
+            </a:r>
+            <a:r>
+              <a:rPr lang="en-US" sz="2400" dirty="0">
+                <a:solidFill>
+                  <a:schemeClr val="bg1"/>
+                </a:solidFill>
+                <a:latin typeface="Bodoni MT" panose="02070603080606020203" pitchFamily="18" charset="0"/>
+              </a:rPr>
+              <a:t> - Data counting</a:t>
+            </a:r>
+          </a:p>
+          <a:p>
+            <a:pPr marL="342900" indent="-342900">
+              <a:buFont typeface="Arial" panose="020B0604020202020204" pitchFamily="34" charset="0"/>
+              <a:buChar char="•"/>
+            </a:pPr>
+            <a:r>
+              <a:rPr lang="en-US" sz="2400" b="1" dirty="0">
+                <a:solidFill>
+                  <a:schemeClr val="bg1"/>
+                </a:solidFill>
+                <a:latin typeface="Bodoni MT" panose="02070603080606020203" pitchFamily="18" charset="0"/>
+              </a:rPr>
+              <a:t>typing</a:t>
+            </a:r>
+            <a:r>
+              <a:rPr lang="en-US" sz="2400" dirty="0">
+                <a:solidFill>
+                  <a:schemeClr val="bg1"/>
+                </a:solidFill>
+                <a:latin typeface="Bodoni MT" panose="02070603080606020203" pitchFamily="18" charset="0"/>
+              </a:rPr>
+              <a:t> - Type annotations</a:t>
+            </a:r>
+          </a:p>
+        </p:txBody>
+      </p:sp>
+      <p:sp>
+        <p:nvSpPr>
+          <p:cNvPr id="9" name="Rectangle: Rounded Corners 8">
+            <a:extLst>
+              <a:ext uri="{FF2B5EF4-FFF2-40B4-BE49-F238E27FC236}">
+                <a16:creationId xmlns:a16="http://schemas.microsoft.com/office/drawing/2014/main" id="{B2929367-E367-A3B8-D818-8D717BEC70F2}"/>
+              </a:ext>
+            </a:extLst>
+          </p:cNvPr>
+          <p:cNvSpPr/>
+          <p:nvPr/>
+        </p:nvSpPr>
+        <p:spPr>
+          <a:xfrm>
+            <a:off x="9625354" y="1346752"/>
+            <a:ext cx="2305388" cy="3997376"/>
+          </a:xfrm>
+          <a:prstGeom prst="roundRect">
+            <a:avLst>
+              <a:gd name="adj" fmla="val 49327"/>
+            </a:avLst>
+          </a:prstGeom>
+          <a:gradFill flip="none" rotWithShape="1">
+            <a:gsLst>
+              <a:gs pos="0">
+                <a:schemeClr val="accent1">
+                  <a:lumMod val="67000"/>
+                </a:schemeClr>
+              </a:gs>
+              <a:gs pos="48000">
+                <a:schemeClr val="accent1">
+                  <a:lumMod val="97000"/>
+                  <a:lumOff val="3000"/>
+                </a:schemeClr>
+              </a:gs>
+              <a:gs pos="100000">
+                <a:schemeClr val="accent1">
+                  <a:lumMod val="60000"/>
+                  <a:lumOff val="40000"/>
+                </a:schemeClr>
+              </a:gs>
+            </a:gsLst>
+            <a:lin ang="16200000" scaled="1"/>
+            <a:tileRect/>
+          </a:gradFill>
+          <a:ln>
+            <a:noFill/>
+          </a:ln>
+        </p:spPr>
+        <p:style>
+          <a:lnRef idx="0">
+            <a:scrgbClr r="0" g="0" b="0"/>
+          </a:lnRef>
+          <a:fillRef idx="0">
+            <a:scrgbClr r="0" g="0" b="0"/>
+          </a:fillRef>
+          <a:effectRef idx="0">
+            <a:scrgbClr r="0" g="0" b="0"/>
+          </a:effectRef>
+          <a:fontRef idx="minor">
+            <a:schemeClr val="lt1"/>
+          </a:fontRef>
+        </p:style>
+        <p:txBody>
+          <a:bodyPr rtlCol="0" anchor="ctr"/>
+          <a:lstStyle/>
+          <a:p>
+            <a:pPr algn="ctr"/>
+            <a:endParaRPr lang="en-IN" dirty="0"/>
+          </a:p>
+        </p:txBody>
+      </p:sp>
+      <p:sp>
+        <p:nvSpPr>
+          <p:cNvPr id="10" name="TextBox 9">
+            <a:extLst>
+              <a:ext uri="{FF2B5EF4-FFF2-40B4-BE49-F238E27FC236}">
+                <a16:creationId xmlns:a16="http://schemas.microsoft.com/office/drawing/2014/main" id="{BF61AFE6-A507-7B80-B152-EE1B79D0FEE2}"/>
+              </a:ext>
+            </a:extLst>
+          </p:cNvPr>
+          <p:cNvSpPr txBox="1"/>
+          <p:nvPr/>
+        </p:nvSpPr>
+        <p:spPr>
+          <a:xfrm>
+            <a:off x="9878612" y="1883501"/>
+            <a:ext cx="2044735" cy="2923877"/>
+          </a:xfrm>
+          <a:prstGeom prst="rect">
+            <a:avLst/>
+          </a:prstGeom>
+          <a:noFill/>
+        </p:spPr>
+        <p:txBody>
+          <a:bodyPr wrap="square" rtlCol="0">
+            <a:spAutoFit/>
+          </a:bodyPr>
+          <a:lstStyle/>
+          <a:p>
+            <a:r>
+              <a:rPr lang="en-IN" sz="2300" b="1" dirty="0">
+                <a:solidFill>
+                  <a:schemeClr val="bg1"/>
+                </a:solidFill>
+                <a:latin typeface="Bodoni MT" panose="02070603080606020203" pitchFamily="18" charset="0"/>
+              </a:rPr>
+              <a:t>Mapping to Emotions:</a:t>
+            </a:r>
+            <a:br>
+              <a:rPr lang="en-IN" sz="2300" dirty="0">
+                <a:solidFill>
+                  <a:schemeClr val="bg1"/>
+                </a:solidFill>
+                <a:latin typeface="Bodoni MT" panose="02070603080606020203" pitchFamily="18" charset="0"/>
+              </a:rPr>
+            </a:br>
+            <a:r>
+              <a:rPr lang="en-IN" sz="2300" dirty="0">
+                <a:solidFill>
+                  <a:schemeClr val="bg1"/>
+                </a:solidFill>
+                <a:latin typeface="Bodoni MT" panose="02070603080606020203" pitchFamily="18" charset="0"/>
+              </a:rPr>
+              <a:t>Happy → 0 Sad → 1 Angry → 2 Surprise → 3 Fear → 4 Neutral → 5</a:t>
+            </a:r>
+          </a:p>
+        </p:txBody>
+      </p:sp>
+      <p:sp>
+        <p:nvSpPr>
+          <p:cNvPr id="11" name="Rectangle: Rounded Corners 10">
+            <a:extLst>
+              <a:ext uri="{FF2B5EF4-FFF2-40B4-BE49-F238E27FC236}">
+                <a16:creationId xmlns:a16="http://schemas.microsoft.com/office/drawing/2014/main" id="{7F3CE380-8DDE-B16E-042B-4B3A6FDAE0AC}"/>
+              </a:ext>
+            </a:extLst>
+          </p:cNvPr>
+          <p:cNvSpPr/>
+          <p:nvPr/>
+        </p:nvSpPr>
+        <p:spPr>
+          <a:xfrm>
+            <a:off x="261259" y="4723301"/>
+            <a:ext cx="9233770" cy="1862048"/>
+          </a:xfrm>
+          <a:prstGeom prst="roundRect">
+            <a:avLst>
+              <a:gd name="adj" fmla="val 49327"/>
+            </a:avLst>
+          </a:prstGeom>
+          <a:gradFill flip="none" rotWithShape="1">
+            <a:gsLst>
+              <a:gs pos="0">
+                <a:schemeClr val="accent1">
+                  <a:lumMod val="67000"/>
+                </a:schemeClr>
+              </a:gs>
+              <a:gs pos="48000">
+                <a:schemeClr val="accent1">
+                  <a:lumMod val="97000"/>
+                  <a:lumOff val="3000"/>
+                </a:schemeClr>
+              </a:gs>
+              <a:gs pos="100000">
+                <a:schemeClr val="accent1">
+                  <a:lumMod val="60000"/>
+                  <a:lumOff val="40000"/>
+                </a:schemeClr>
+              </a:gs>
+            </a:gsLst>
+            <a:lin ang="16200000" scaled="1"/>
+            <a:tileRect/>
+          </a:gradFill>
+          <a:ln>
+            <a:noFill/>
+          </a:ln>
+        </p:spPr>
+        <p:style>
+          <a:lnRef idx="0">
+            <a:scrgbClr r="0" g="0" b="0"/>
+          </a:lnRef>
+          <a:fillRef idx="0">
+            <a:scrgbClr r="0" g="0" b="0"/>
+          </a:fillRef>
+          <a:effectRef idx="0">
+            <a:scrgbClr r="0" g="0" b="0"/>
+          </a:effectRef>
+          <a:fontRef idx="minor">
+            <a:schemeClr val="lt1"/>
+          </a:fontRef>
+        </p:style>
+        <p:txBody>
+          <a:bodyPr rtlCol="0" anchor="ctr"/>
+          <a:lstStyle/>
+          <a:p>
+            <a:pPr algn="ctr"/>
+            <a:endParaRPr lang="en-IN" dirty="0"/>
+          </a:p>
+        </p:txBody>
+      </p:sp>
+      <p:sp>
+        <p:nvSpPr>
+          <p:cNvPr id="12" name="TextBox 11">
+            <a:extLst>
+              <a:ext uri="{FF2B5EF4-FFF2-40B4-BE49-F238E27FC236}">
+                <a16:creationId xmlns:a16="http://schemas.microsoft.com/office/drawing/2014/main" id="{FF47429B-1ABB-BBEF-278D-46B7326FF75F}"/>
+              </a:ext>
+            </a:extLst>
+          </p:cNvPr>
+          <p:cNvSpPr txBox="1"/>
+          <p:nvPr/>
+        </p:nvSpPr>
+        <p:spPr>
+          <a:xfrm>
+            <a:off x="702431" y="4912702"/>
+            <a:ext cx="8359926" cy="1446550"/>
+          </a:xfrm>
+          <a:prstGeom prst="rect">
+            <a:avLst/>
+          </a:prstGeom>
+          <a:noFill/>
+        </p:spPr>
+        <p:txBody>
+          <a:bodyPr wrap="square" rtlCol="0">
+            <a:spAutoFit/>
+          </a:bodyPr>
+          <a:lstStyle/>
+          <a:p>
+            <a:r>
+              <a:rPr lang="en-IN" sz="2200" b="1" dirty="0">
+                <a:solidFill>
+                  <a:schemeClr val="bg1"/>
+                </a:solidFill>
+                <a:latin typeface="Bodoni MT" panose="02070603080606020203" pitchFamily="18" charset="0"/>
+              </a:rPr>
+              <a:t>Dataset Purpose:</a:t>
+            </a:r>
+          </a:p>
+          <a:p>
+            <a:r>
+              <a:rPr lang="en-IN" sz="2200" dirty="0">
+                <a:solidFill>
+                  <a:schemeClr val="bg1"/>
+                </a:solidFill>
+                <a:latin typeface="Bodoni MT" panose="02070603080606020203" pitchFamily="18" charset="0"/>
+              </a:rPr>
+              <a:t>Capture emotional expressions in textual communications</a:t>
+            </a:r>
+          </a:p>
+          <a:p>
+            <a:r>
+              <a:rPr lang="en-IN" sz="2200" dirty="0">
+                <a:solidFill>
+                  <a:schemeClr val="bg1"/>
+                </a:solidFill>
+                <a:latin typeface="Bodoni MT" panose="02070603080606020203" pitchFamily="18" charset="0"/>
+              </a:rPr>
+              <a:t>Provide meaningful inputs for accurate emotion classification</a:t>
+            </a:r>
+          </a:p>
+          <a:p>
+            <a:r>
+              <a:rPr lang="en-IN" sz="2200" dirty="0">
+                <a:solidFill>
+                  <a:schemeClr val="bg1"/>
+                </a:solidFill>
+                <a:latin typeface="Bodoni MT" panose="02070603080606020203" pitchFamily="18" charset="0"/>
+              </a:rPr>
+              <a:t>Enable sentiment analysis across social media and customer feedback</a:t>
+            </a:r>
+          </a:p>
+        </p:txBody>
+      </p:sp>
+      <p:pic>
+        <p:nvPicPr>
+          <p:cNvPr id="14" name="Picture 13">
+            <a:extLst>
+              <a:ext uri="{FF2B5EF4-FFF2-40B4-BE49-F238E27FC236}">
+                <a16:creationId xmlns:a16="http://schemas.microsoft.com/office/drawing/2014/main" id="{6E3509F4-A0EF-AE2C-39C1-92811E16EF85}"/>
+              </a:ext>
+            </a:extLst>
+          </p:cNvPr>
+          <p:cNvPicPr>
+            <a:picLocks noChangeAspect="1"/>
+          </p:cNvPicPr>
+          <p:nvPr/>
+        </p:nvPicPr>
+        <p:blipFill>
+          <a:blip r:embed="rId2"/>
+          <a:stretch>
+            <a:fillRect/>
+          </a:stretch>
+        </p:blipFill>
+        <p:spPr>
+          <a:xfrm rot="240975">
+            <a:off x="10937930" y="5672927"/>
+            <a:ext cx="1093506" cy="1093506"/>
+          </a:xfrm>
+          <a:prstGeom prst="rect">
+            <a:avLst/>
+          </a:prstGeom>
+        </p:spPr>
+      </p:pic>
     </p:spTree>
     <p:extLst>
       <p:ext uri="{BB962C8B-B14F-4D97-AF65-F5344CB8AC3E}">
@@ -5889,6 +7329,426 @@
       </p:grpSpPr>
       <p:sp>
         <p:nvSpPr>
+          <p:cNvPr id="11" name="Rectangle: Rounded Corners 10">
+            <a:extLst>
+              <a:ext uri="{FF2B5EF4-FFF2-40B4-BE49-F238E27FC236}">
+                <a16:creationId xmlns:a16="http://schemas.microsoft.com/office/drawing/2014/main" id="{F9EC1442-023D-BE52-BE77-1045FF575143}"/>
+              </a:ext>
+            </a:extLst>
+          </p:cNvPr>
+          <p:cNvSpPr/>
+          <p:nvPr/>
+        </p:nvSpPr>
+        <p:spPr>
+          <a:xfrm>
+            <a:off x="10295763" y="5840187"/>
+            <a:ext cx="1743722" cy="502395"/>
+          </a:xfrm>
+          <a:prstGeom prst="roundRect">
+            <a:avLst/>
+          </a:prstGeom>
+          <a:gradFill flip="none" rotWithShape="1">
+            <a:gsLst>
+              <a:gs pos="0">
+                <a:schemeClr val="accent1">
+                  <a:lumMod val="67000"/>
+                </a:schemeClr>
+              </a:gs>
+              <a:gs pos="48000">
+                <a:schemeClr val="accent1">
+                  <a:lumMod val="97000"/>
+                  <a:lumOff val="3000"/>
+                </a:schemeClr>
+              </a:gs>
+              <a:gs pos="100000">
+                <a:schemeClr val="accent1">
+                  <a:lumMod val="60000"/>
+                  <a:lumOff val="40000"/>
+                </a:schemeClr>
+              </a:gs>
+            </a:gsLst>
+            <a:lin ang="16200000" scaled="1"/>
+            <a:tileRect/>
+          </a:gradFill>
+          <a:ln>
+            <a:noFill/>
+          </a:ln>
+        </p:spPr>
+        <p:style>
+          <a:lnRef idx="0">
+            <a:scrgbClr r="0" g="0" b="0"/>
+          </a:lnRef>
+          <a:fillRef idx="0">
+            <a:scrgbClr r="0" g="0" b="0"/>
+          </a:fillRef>
+          <a:effectRef idx="0">
+            <a:scrgbClr r="0" g="0" b="0"/>
+          </a:effectRef>
+          <a:fontRef idx="minor">
+            <a:schemeClr val="lt1"/>
+          </a:fontRef>
+        </p:style>
+        <p:txBody>
+          <a:bodyPr rtlCol="0" anchor="ctr"/>
+          <a:lstStyle/>
+          <a:p>
+            <a:pPr algn="ctr"/>
+            <a:endParaRPr lang="en-IN"/>
+          </a:p>
+        </p:txBody>
+      </p:sp>
+      <p:sp>
+        <p:nvSpPr>
+          <p:cNvPr id="10" name="Rectangle: Rounded Corners 9">
+            <a:extLst>
+              <a:ext uri="{FF2B5EF4-FFF2-40B4-BE49-F238E27FC236}">
+                <a16:creationId xmlns:a16="http://schemas.microsoft.com/office/drawing/2014/main" id="{E65C2DDD-D95B-E1D8-8EAC-85587B2F39C8}"/>
+              </a:ext>
+            </a:extLst>
+          </p:cNvPr>
+          <p:cNvSpPr/>
+          <p:nvPr/>
+        </p:nvSpPr>
+        <p:spPr>
+          <a:xfrm>
+            <a:off x="8416164" y="5840188"/>
+            <a:ext cx="1520315" cy="502395"/>
+          </a:xfrm>
+          <a:prstGeom prst="roundRect">
+            <a:avLst/>
+          </a:prstGeom>
+          <a:gradFill flip="none" rotWithShape="1">
+            <a:gsLst>
+              <a:gs pos="0">
+                <a:schemeClr val="accent1">
+                  <a:lumMod val="67000"/>
+                </a:schemeClr>
+              </a:gs>
+              <a:gs pos="48000">
+                <a:schemeClr val="accent1">
+                  <a:lumMod val="97000"/>
+                  <a:lumOff val="3000"/>
+                </a:schemeClr>
+              </a:gs>
+              <a:gs pos="100000">
+                <a:schemeClr val="accent1">
+                  <a:lumMod val="60000"/>
+                  <a:lumOff val="40000"/>
+                </a:schemeClr>
+              </a:gs>
+            </a:gsLst>
+            <a:lin ang="16200000" scaled="1"/>
+            <a:tileRect/>
+          </a:gradFill>
+          <a:ln>
+            <a:noFill/>
+          </a:ln>
+        </p:spPr>
+        <p:style>
+          <a:lnRef idx="0">
+            <a:scrgbClr r="0" g="0" b="0"/>
+          </a:lnRef>
+          <a:fillRef idx="0">
+            <a:scrgbClr r="0" g="0" b="0"/>
+          </a:fillRef>
+          <a:effectRef idx="0">
+            <a:scrgbClr r="0" g="0" b="0"/>
+          </a:effectRef>
+          <a:fontRef idx="minor">
+            <a:schemeClr val="lt1"/>
+          </a:fontRef>
+        </p:style>
+        <p:txBody>
+          <a:bodyPr rtlCol="0" anchor="ctr"/>
+          <a:lstStyle/>
+          <a:p>
+            <a:pPr algn="ctr"/>
+            <a:endParaRPr lang="en-IN"/>
+          </a:p>
+        </p:txBody>
+      </p:sp>
+      <p:sp>
+        <p:nvSpPr>
+          <p:cNvPr id="9" name="Rectangle: Rounded Corners 8">
+            <a:extLst>
+              <a:ext uri="{FF2B5EF4-FFF2-40B4-BE49-F238E27FC236}">
+                <a16:creationId xmlns:a16="http://schemas.microsoft.com/office/drawing/2014/main" id="{59749222-9596-BBB9-0C28-66018BE33FF4}"/>
+              </a:ext>
+            </a:extLst>
+          </p:cNvPr>
+          <p:cNvSpPr/>
+          <p:nvPr/>
+        </p:nvSpPr>
+        <p:spPr>
+          <a:xfrm>
+            <a:off x="6191126" y="5840188"/>
+            <a:ext cx="1865753" cy="502395"/>
+          </a:xfrm>
+          <a:prstGeom prst="roundRect">
+            <a:avLst/>
+          </a:prstGeom>
+          <a:gradFill flip="none" rotWithShape="1">
+            <a:gsLst>
+              <a:gs pos="0">
+                <a:schemeClr val="accent1">
+                  <a:lumMod val="67000"/>
+                </a:schemeClr>
+              </a:gs>
+              <a:gs pos="48000">
+                <a:schemeClr val="accent1">
+                  <a:lumMod val="97000"/>
+                  <a:lumOff val="3000"/>
+                </a:schemeClr>
+              </a:gs>
+              <a:gs pos="100000">
+                <a:schemeClr val="accent1">
+                  <a:lumMod val="60000"/>
+                  <a:lumOff val="40000"/>
+                </a:schemeClr>
+              </a:gs>
+            </a:gsLst>
+            <a:lin ang="16200000" scaled="1"/>
+            <a:tileRect/>
+          </a:gradFill>
+          <a:ln>
+            <a:noFill/>
+          </a:ln>
+        </p:spPr>
+        <p:style>
+          <a:lnRef idx="0">
+            <a:scrgbClr r="0" g="0" b="0"/>
+          </a:lnRef>
+          <a:fillRef idx="0">
+            <a:scrgbClr r="0" g="0" b="0"/>
+          </a:fillRef>
+          <a:effectRef idx="0">
+            <a:scrgbClr r="0" g="0" b="0"/>
+          </a:effectRef>
+          <a:fontRef idx="minor">
+            <a:schemeClr val="lt1"/>
+          </a:fontRef>
+        </p:style>
+        <p:txBody>
+          <a:bodyPr rtlCol="0" anchor="ctr"/>
+          <a:lstStyle/>
+          <a:p>
+            <a:pPr algn="ctr"/>
+            <a:endParaRPr lang="en-IN"/>
+          </a:p>
+        </p:txBody>
+      </p:sp>
+      <p:sp>
+        <p:nvSpPr>
+          <p:cNvPr id="8" name="Rectangle: Rounded Corners 7">
+            <a:extLst>
+              <a:ext uri="{FF2B5EF4-FFF2-40B4-BE49-F238E27FC236}">
+                <a16:creationId xmlns:a16="http://schemas.microsoft.com/office/drawing/2014/main" id="{63ECD526-CA03-E4F0-01D5-29EE5403BEAC}"/>
+              </a:ext>
+            </a:extLst>
+          </p:cNvPr>
+          <p:cNvSpPr/>
+          <p:nvPr/>
+        </p:nvSpPr>
+        <p:spPr>
+          <a:xfrm>
+            <a:off x="3661286" y="5840188"/>
+            <a:ext cx="2170554" cy="502395"/>
+          </a:xfrm>
+          <a:prstGeom prst="roundRect">
+            <a:avLst/>
+          </a:prstGeom>
+          <a:gradFill flip="none" rotWithShape="1">
+            <a:gsLst>
+              <a:gs pos="0">
+                <a:schemeClr val="accent1">
+                  <a:lumMod val="67000"/>
+                </a:schemeClr>
+              </a:gs>
+              <a:gs pos="48000">
+                <a:schemeClr val="accent1">
+                  <a:lumMod val="97000"/>
+                  <a:lumOff val="3000"/>
+                </a:schemeClr>
+              </a:gs>
+              <a:gs pos="100000">
+                <a:schemeClr val="accent1">
+                  <a:lumMod val="60000"/>
+                  <a:lumOff val="40000"/>
+                </a:schemeClr>
+              </a:gs>
+            </a:gsLst>
+            <a:lin ang="16200000" scaled="1"/>
+            <a:tileRect/>
+          </a:gradFill>
+          <a:ln>
+            <a:noFill/>
+          </a:ln>
+        </p:spPr>
+        <p:style>
+          <a:lnRef idx="0">
+            <a:scrgbClr r="0" g="0" b="0"/>
+          </a:lnRef>
+          <a:fillRef idx="0">
+            <a:scrgbClr r="0" g="0" b="0"/>
+          </a:fillRef>
+          <a:effectRef idx="0">
+            <a:scrgbClr r="0" g="0" b="0"/>
+          </a:effectRef>
+          <a:fontRef idx="minor">
+            <a:schemeClr val="lt1"/>
+          </a:fontRef>
+        </p:style>
+        <p:txBody>
+          <a:bodyPr rtlCol="0" anchor="ctr"/>
+          <a:lstStyle/>
+          <a:p>
+            <a:pPr algn="ctr"/>
+            <a:endParaRPr lang="en-IN"/>
+          </a:p>
+        </p:txBody>
+      </p:sp>
+      <p:sp>
+        <p:nvSpPr>
+          <p:cNvPr id="7" name="Rectangle: Rounded Corners 6">
+            <a:extLst>
+              <a:ext uri="{FF2B5EF4-FFF2-40B4-BE49-F238E27FC236}">
+                <a16:creationId xmlns:a16="http://schemas.microsoft.com/office/drawing/2014/main" id="{B4115F30-7D5F-639D-B2A5-D82B57FD8D0F}"/>
+              </a:ext>
+            </a:extLst>
+          </p:cNvPr>
+          <p:cNvSpPr/>
+          <p:nvPr/>
+        </p:nvSpPr>
+        <p:spPr>
+          <a:xfrm>
+            <a:off x="1747634" y="5840188"/>
+            <a:ext cx="1554365" cy="502395"/>
+          </a:xfrm>
+          <a:prstGeom prst="roundRect">
+            <a:avLst/>
+          </a:prstGeom>
+          <a:gradFill flip="none" rotWithShape="1">
+            <a:gsLst>
+              <a:gs pos="0">
+                <a:schemeClr val="accent1">
+                  <a:lumMod val="67000"/>
+                </a:schemeClr>
+              </a:gs>
+              <a:gs pos="48000">
+                <a:schemeClr val="accent1">
+                  <a:lumMod val="97000"/>
+                  <a:lumOff val="3000"/>
+                </a:schemeClr>
+              </a:gs>
+              <a:gs pos="100000">
+                <a:schemeClr val="accent1">
+                  <a:lumMod val="60000"/>
+                  <a:lumOff val="40000"/>
+                </a:schemeClr>
+              </a:gs>
+            </a:gsLst>
+            <a:lin ang="16200000" scaled="1"/>
+            <a:tileRect/>
+          </a:gradFill>
+          <a:ln>
+            <a:noFill/>
+          </a:ln>
+        </p:spPr>
+        <p:style>
+          <a:lnRef idx="0">
+            <a:scrgbClr r="0" g="0" b="0"/>
+          </a:lnRef>
+          <a:fillRef idx="0">
+            <a:scrgbClr r="0" g="0" b="0"/>
+          </a:fillRef>
+          <a:effectRef idx="0">
+            <a:scrgbClr r="0" g="0" b="0"/>
+          </a:effectRef>
+          <a:fontRef idx="minor">
+            <a:schemeClr val="lt1"/>
+          </a:fontRef>
+        </p:style>
+        <p:txBody>
+          <a:bodyPr rtlCol="0" anchor="ctr"/>
+          <a:lstStyle/>
+          <a:p>
+            <a:pPr algn="ctr"/>
+            <a:endParaRPr lang="en-IN"/>
+          </a:p>
+        </p:txBody>
+      </p:sp>
+      <p:sp>
+        <p:nvSpPr>
+          <p:cNvPr id="6" name="Rectangle: Rounded Corners 5">
+            <a:extLst>
+              <a:ext uri="{FF2B5EF4-FFF2-40B4-BE49-F238E27FC236}">
+                <a16:creationId xmlns:a16="http://schemas.microsoft.com/office/drawing/2014/main" id="{777F14FA-59D7-11AF-96EF-31A2368F0C5F}"/>
+              </a:ext>
+            </a:extLst>
+          </p:cNvPr>
+          <p:cNvSpPr/>
+          <p:nvPr/>
+        </p:nvSpPr>
+        <p:spPr>
+          <a:xfrm>
+            <a:off x="152515" y="5840188"/>
+            <a:ext cx="1235832" cy="502395"/>
+          </a:xfrm>
+          <a:prstGeom prst="roundRect">
+            <a:avLst/>
+          </a:prstGeom>
+          <a:gradFill flip="none" rotWithShape="1">
+            <a:gsLst>
+              <a:gs pos="0">
+                <a:schemeClr val="accent1">
+                  <a:lumMod val="67000"/>
+                </a:schemeClr>
+              </a:gs>
+              <a:gs pos="48000">
+                <a:schemeClr val="accent1">
+                  <a:lumMod val="97000"/>
+                  <a:lumOff val="3000"/>
+                </a:schemeClr>
+              </a:gs>
+              <a:gs pos="100000">
+                <a:schemeClr val="accent1">
+                  <a:lumMod val="60000"/>
+                  <a:lumOff val="40000"/>
+                </a:schemeClr>
+              </a:gs>
+            </a:gsLst>
+            <a:lin ang="16200000" scaled="1"/>
+            <a:tileRect/>
+          </a:gradFill>
+          <a:ln>
+            <a:noFill/>
+          </a:ln>
+        </p:spPr>
+        <p:style>
+          <a:lnRef idx="0">
+            <a:scrgbClr r="0" g="0" b="0"/>
+          </a:lnRef>
+          <a:fillRef idx="0">
+            <a:scrgbClr r="0" g="0" b="0"/>
+          </a:fillRef>
+          <a:effectRef idx="0">
+            <a:scrgbClr r="0" g="0" b="0"/>
+          </a:effectRef>
+          <a:fontRef idx="minor">
+            <a:schemeClr val="lt1"/>
+          </a:fontRef>
+        </p:style>
+        <p:txBody>
+          <a:bodyPr rtlCol="0" anchor="ctr"/>
+          <a:lstStyle/>
+          <a:p>
+            <a:pPr algn="ctr"/>
+            <a:endParaRPr lang="en-IN"/>
+          </a:p>
+        </p:txBody>
+      </p:sp>
+      <p:sp>
+        <p:nvSpPr>
           <p:cNvPr id="2" name="Title 1">
             <a:extLst>
               <a:ext uri="{FF2B5EF4-FFF2-40B4-BE49-F238E27FC236}">
@@ -5903,12 +7763,27 @@
             <p:ph type="title"/>
           </p:nvPr>
         </p:nvSpPr>
-        <p:spPr/>
-        <p:txBody>
-          <a:bodyPr/>
-          <a:lstStyle/>
-          <a:p>
-            <a:endParaRPr lang="en-IN"/>
+        <p:spPr>
+          <a:xfrm>
+            <a:off x="913796" y="152400"/>
+            <a:ext cx="10353761" cy="1326321"/>
+          </a:xfrm>
+        </p:spPr>
+        <p:txBody>
+          <a:bodyPr>
+            <a:normAutofit/>
+          </a:bodyPr>
+          <a:lstStyle/>
+          <a:p>
+            <a:r>
+              <a:rPr lang="en-US" sz="4000" u="sng" dirty="0">
+                <a:latin typeface="Algerian" panose="04020705040A02060702" pitchFamily="82" charset="0"/>
+              </a:rPr>
+              <a:t>Model flow and Implementation:</a:t>
+            </a:r>
+            <a:endParaRPr lang="en-IN" sz="4000" u="sng" dirty="0">
+              <a:latin typeface="Algerian" panose="04020705040A02060702" pitchFamily="82" charset="0"/>
+            </a:endParaRPr>
           </a:p>
         </p:txBody>
       </p:sp>
@@ -5928,12 +7803,217 @@
             <p:ph idx="1"/>
           </p:nvPr>
         </p:nvSpPr>
-        <p:spPr/>
-        <p:txBody>
-          <a:bodyPr/>
-          <a:lstStyle/>
-          <a:p>
-            <a:endParaRPr lang="en-IN"/>
+        <p:spPr>
+          <a:xfrm>
+            <a:off x="228415" y="1355553"/>
+            <a:ext cx="11724521" cy="4146894"/>
+          </a:xfrm>
+        </p:spPr>
+        <p:txBody>
+          <a:bodyPr>
+            <a:noAutofit/>
+          </a:bodyPr>
+          <a:lstStyle/>
+          <a:p>
+            <a:pPr algn="just"/>
+            <a:r>
+              <a:rPr lang="en-US" sz="1500" b="1" i="1" dirty="0"/>
+              <a:t>Step 1: Text Preprocessing</a:t>
+            </a:r>
+          </a:p>
+          <a:p>
+            <a:pPr marL="0" indent="0" algn="just">
+              <a:buNone/>
+            </a:pPr>
+            <a:r>
+              <a:rPr lang="en-US" sz="1500" dirty="0"/>
+              <a:t>Convert to lowercase, remove URLs, strip whitespace, preserve emojis, and tokenize into words.</a:t>
+            </a:r>
+          </a:p>
+          <a:p>
+            <a:pPr algn="just"/>
+            <a:r>
+              <a:rPr lang="en-US" sz="1500" b="1" i="1" dirty="0"/>
+              <a:t>Step 2: Feature Extraction</a:t>
+            </a:r>
+          </a:p>
+          <a:p>
+            <a:pPr marL="0" indent="0" algn="just">
+              <a:buNone/>
+            </a:pPr>
+            <a:r>
+              <a:rPr lang="en-US" sz="1500" dirty="0"/>
+              <a:t>Detect keywords, recognize emojis, identify negations/intensifiers, and analyze contextual word relationships.</a:t>
+            </a:r>
+          </a:p>
+          <a:p>
+            <a:pPr algn="just"/>
+            <a:r>
+              <a:rPr lang="en-US" sz="1500" b="1" i="1" dirty="0"/>
+              <a:t>Step 3: Emotion Scoring Algorithm</a:t>
+            </a:r>
+          </a:p>
+          <a:p>
+            <a:pPr marL="0" indent="0" algn="just">
+              <a:buNone/>
+            </a:pPr>
+            <a:r>
+              <a:rPr lang="en-US" sz="1500" dirty="0"/>
+              <a:t>Calculate weighted scores for each emotion: emojis (×2.0), keywords (×1.0), intensifiers (×1.5), negations (×-0.5).</a:t>
+            </a:r>
+          </a:p>
+          <a:p>
+            <a:pPr algn="just"/>
+            <a:r>
+              <a:rPr lang="en-US" sz="1500" b="1" i="1" dirty="0"/>
+              <a:t>Step 4: Classification Logic</a:t>
+            </a:r>
+          </a:p>
+          <a:p>
+            <a:pPr marL="0" indent="0" algn="just">
+              <a:buNone/>
+            </a:pPr>
+            <a:r>
+              <a:rPr lang="en-US" sz="1500" dirty="0"/>
+              <a:t>Return "neutral" if all scores = 0 or max score &lt; 0.5, otherwise return emotion with highest score.</a:t>
+            </a:r>
+          </a:p>
+          <a:p>
+            <a:pPr algn="just"/>
+            <a:r>
+              <a:rPr lang="en-US" sz="1500" b="1" i="1" dirty="0"/>
+              <a:t>Step 5: Output Generation</a:t>
+            </a:r>
+          </a:p>
+          <a:p>
+            <a:pPr marL="0" indent="0" algn="just">
+              <a:buNone/>
+            </a:pPr>
+            <a:r>
+              <a:rPr lang="en-US" sz="1500" dirty="0"/>
+              <a:t>Provide dominant emotion label, confidence scores for all emotions, percentage distribution, and matched keywords/emojis.</a:t>
+            </a:r>
+          </a:p>
+        </p:txBody>
+      </p:sp>
+      <p:sp>
+        <p:nvSpPr>
+          <p:cNvPr id="5" name="TextBox 4">
+            <a:extLst>
+              <a:ext uri="{FF2B5EF4-FFF2-40B4-BE49-F238E27FC236}">
+                <a16:creationId xmlns:a16="http://schemas.microsoft.com/office/drawing/2014/main" id="{51711F35-1B17-6A93-8568-8BE802E09326}"/>
+              </a:ext>
+            </a:extLst>
+          </p:cNvPr>
+          <p:cNvSpPr txBox="1"/>
+          <p:nvPr/>
+        </p:nvSpPr>
+        <p:spPr>
+          <a:xfrm>
+            <a:off x="141867" y="5877722"/>
+            <a:ext cx="11897618" cy="400110"/>
+          </a:xfrm>
+          <a:prstGeom prst="rect">
+            <a:avLst/>
+          </a:prstGeom>
+          <a:noFill/>
+        </p:spPr>
+        <p:txBody>
+          <a:bodyPr wrap="square" rtlCol="0">
+            <a:spAutoFit/>
+          </a:bodyPr>
+          <a:lstStyle/>
+          <a:p>
+            <a:r>
+              <a:rPr lang="en-US" sz="2000" b="1" dirty="0">
+                <a:solidFill>
+                  <a:schemeClr val="bg1"/>
+                </a:solidFill>
+                <a:latin typeface="Bodoni MT" panose="02070603080606020203" pitchFamily="18" charset="0"/>
+              </a:rPr>
+              <a:t>Input Text  </a:t>
+            </a:r>
+            <a:r>
+              <a:rPr lang="en-US" sz="2000" b="1" dirty="0">
+                <a:latin typeface="Bodoni MT" panose="02070603080606020203" pitchFamily="18" charset="0"/>
+              </a:rPr>
+              <a:t>→</a:t>
+            </a:r>
+            <a:r>
+              <a:rPr lang="en-US" sz="2000" b="1" dirty="0">
+                <a:solidFill>
+                  <a:schemeClr val="bg1"/>
+                </a:solidFill>
+                <a:latin typeface="Bodoni MT" panose="02070603080606020203" pitchFamily="18" charset="0"/>
+              </a:rPr>
+              <a:t>  Preprocessing  </a:t>
+            </a:r>
+            <a:r>
+              <a:rPr lang="en-US" sz="2000" b="1" dirty="0">
+                <a:latin typeface="Bodoni MT" panose="02070603080606020203" pitchFamily="18" charset="0"/>
+              </a:rPr>
+              <a:t>→</a:t>
+            </a:r>
+            <a:r>
+              <a:rPr lang="en-US" sz="2000" b="1" dirty="0">
+                <a:solidFill>
+                  <a:schemeClr val="bg1"/>
+                </a:solidFill>
+                <a:latin typeface="Bodoni MT" panose="02070603080606020203" pitchFamily="18" charset="0"/>
+              </a:rPr>
+              <a:t>  Feature Extraction  </a:t>
+            </a:r>
+            <a:r>
+              <a:rPr lang="en-US" sz="2000" b="1" dirty="0">
+                <a:latin typeface="Bodoni MT" panose="02070603080606020203" pitchFamily="18" charset="0"/>
+              </a:rPr>
+              <a:t>→</a:t>
+            </a:r>
+            <a:r>
+              <a:rPr lang="en-US" sz="2000" b="1" dirty="0">
+                <a:solidFill>
+                  <a:schemeClr val="bg1"/>
+                </a:solidFill>
+                <a:latin typeface="Bodoni MT" panose="02070603080606020203" pitchFamily="18" charset="0"/>
+              </a:rPr>
+              <a:t>  Emotion Scoring  </a:t>
+            </a:r>
+            <a:r>
+              <a:rPr lang="en-US" sz="2000" b="1" dirty="0">
+                <a:latin typeface="Bodoni MT" panose="02070603080606020203" pitchFamily="18" charset="0"/>
+              </a:rPr>
+              <a:t>→</a:t>
+            </a:r>
+            <a:r>
+              <a:rPr lang="en-US" sz="2000" b="1" dirty="0">
+                <a:solidFill>
+                  <a:schemeClr val="bg1"/>
+                </a:solidFill>
+                <a:latin typeface="Bodoni MT" panose="02070603080606020203" pitchFamily="18" charset="0"/>
+              </a:rPr>
+              <a:t>  Classification  </a:t>
+            </a:r>
+            <a:r>
+              <a:rPr lang="en-US" sz="2000" b="1" dirty="0">
+                <a:latin typeface="Bodoni MT" panose="02070603080606020203" pitchFamily="18" charset="0"/>
+              </a:rPr>
+              <a:t>→</a:t>
+            </a:r>
+            <a:r>
+              <a:rPr lang="en-US" sz="2000" b="1" dirty="0">
+                <a:solidFill>
+                  <a:schemeClr val="bg1"/>
+                </a:solidFill>
+                <a:latin typeface="Bodoni MT" panose="02070603080606020203" pitchFamily="18" charset="0"/>
+              </a:rPr>
+              <a:t>  Output Results</a:t>
+            </a:r>
+            <a:endParaRPr lang="en-IN" sz="2000" b="1" dirty="0">
+              <a:solidFill>
+                <a:schemeClr val="bg1"/>
+              </a:solidFill>
+              <a:latin typeface="Bodoni MT" panose="02070603080606020203" pitchFamily="18" charset="0"/>
+            </a:endParaRPr>
           </a:p>
         </p:txBody>
       </p:sp>
@@ -5972,7 +8052,7 @@
           <p:cNvPr id="2" name="Title 1">
             <a:extLst>
               <a:ext uri="{FF2B5EF4-FFF2-40B4-BE49-F238E27FC236}">
-                <a16:creationId xmlns:a16="http://schemas.microsoft.com/office/drawing/2014/main" id="{4090E4F5-E185-C89F-593C-85E80E068C9E}"/>
+                <a16:creationId xmlns:a16="http://schemas.microsoft.com/office/drawing/2014/main" id="{B69D5AAB-7264-2F77-071B-B24CFA61263C}"/>
               </a:ext>
             </a:extLst>
           </p:cNvPr>
@@ -5983,44 +8063,95 @@
             <p:ph type="title"/>
           </p:nvPr>
         </p:nvSpPr>
-        <p:spPr/>
-        <p:txBody>
-          <a:bodyPr/>
-          <a:lstStyle/>
-          <a:p>
-            <a:endParaRPr lang="en-IN"/>
-          </a:p>
-        </p:txBody>
-      </p:sp>
-      <p:sp>
-        <p:nvSpPr>
-          <p:cNvPr id="3" name="Content Placeholder 2">
+        <p:spPr>
+          <a:xfrm>
+            <a:off x="821569" y="152400"/>
+            <a:ext cx="10548862" cy="869121"/>
+          </a:xfrm>
+        </p:spPr>
+        <p:txBody>
+          <a:bodyPr>
+            <a:normAutofit/>
+          </a:bodyPr>
+          <a:lstStyle/>
+          <a:p>
+            <a:r>
+              <a:rPr lang="en-US" sz="4500" u="sng" dirty="0">
+                <a:latin typeface="Algerian" panose="04020705040A02060702" pitchFamily="82" charset="0"/>
+              </a:rPr>
+              <a:t>Result:</a:t>
+            </a:r>
+            <a:endParaRPr lang="en-IN" sz="4500" u="sng" dirty="0">
+              <a:latin typeface="Algerian" panose="04020705040A02060702" pitchFamily="82" charset="0"/>
+            </a:endParaRPr>
+          </a:p>
+        </p:txBody>
+      </p:sp>
+      <p:pic>
+        <p:nvPicPr>
+          <p:cNvPr id="5" name="Picture 4">
             <a:extLst>
               <a:ext uri="{FF2B5EF4-FFF2-40B4-BE49-F238E27FC236}">
-                <a16:creationId xmlns:a16="http://schemas.microsoft.com/office/drawing/2014/main" id="{F60D24C8-3AE9-D1E3-1D42-9D38E9370607}"/>
+                <a16:creationId xmlns:a16="http://schemas.microsoft.com/office/drawing/2014/main" id="{91182055-66EE-7FDE-2B86-8C7E54120C05}"/>
               </a:ext>
             </a:extLst>
           </p:cNvPr>
-          <p:cNvSpPr>
-            <a:spLocks noGrp="1"/>
-          </p:cNvSpPr>
-          <p:nvPr>
-            <p:ph idx="1"/>
-          </p:nvPr>
-        </p:nvSpPr>
-        <p:spPr/>
-        <p:txBody>
-          <a:bodyPr/>
-          <a:lstStyle/>
-          <a:p>
-            <a:endParaRPr lang="en-IN"/>
-          </a:p>
-        </p:txBody>
-      </p:sp>
+          <p:cNvPicPr>
+            <a:picLocks noChangeAspect="1"/>
+          </p:cNvPicPr>
+          <p:nvPr/>
+        </p:nvPicPr>
+        <p:blipFill>
+          <a:blip r:embed="rId2"/>
+          <a:stretch>
+            <a:fillRect/>
+          </a:stretch>
+        </p:blipFill>
+        <p:spPr>
+          <a:xfrm>
+            <a:off x="1294299" y="1208555"/>
+            <a:ext cx="4284631" cy="5229184"/>
+          </a:xfrm>
+          <a:prstGeom prst="rect">
+            <a:avLst/>
+          </a:prstGeom>
+        </p:spPr>
+      </p:pic>
+      <p:pic>
+        <p:nvPicPr>
+          <p:cNvPr id="7" name="Picture 6">
+            <a:extLst>
+              <a:ext uri="{FF2B5EF4-FFF2-40B4-BE49-F238E27FC236}">
+                <a16:creationId xmlns:a16="http://schemas.microsoft.com/office/drawing/2014/main" id="{501D3BA0-B27E-1245-176A-7F03374E29EA}"/>
+              </a:ext>
+            </a:extLst>
+          </p:cNvPr>
+          <p:cNvPicPr>
+            <a:picLocks noChangeAspect="1"/>
+          </p:cNvPicPr>
+          <p:nvPr/>
+        </p:nvPicPr>
+        <p:blipFill>
+          <a:blip r:embed="rId3"/>
+          <a:srcRect b="803"/>
+          <a:stretch>
+            <a:fillRect/>
+          </a:stretch>
+        </p:blipFill>
+        <p:spPr>
+          <a:xfrm>
+            <a:off x="6350689" y="1208555"/>
+            <a:ext cx="4547012" cy="5229184"/>
+          </a:xfrm>
+          <a:prstGeom prst="rect">
+            <a:avLst/>
+          </a:prstGeom>
+        </p:spPr>
+      </p:pic>
     </p:spTree>
     <p:extLst>
       <p:ext uri="{BB962C8B-B14F-4D97-AF65-F5344CB8AC3E}">
-        <p14:creationId xmlns:p14="http://schemas.microsoft.com/office/powerpoint/2010/main" val="2677863116"/>
+        <p14:creationId xmlns:p14="http://schemas.microsoft.com/office/powerpoint/2010/main" val="597248377"/>
       </p:ext>
     </p:extLst>
   </p:cSld>
@@ -6052,7 +8183,7 @@
           <p:cNvPr id="2" name="Title 1">
             <a:extLst>
               <a:ext uri="{FF2B5EF4-FFF2-40B4-BE49-F238E27FC236}">
-                <a16:creationId xmlns:a16="http://schemas.microsoft.com/office/drawing/2014/main" id="{B69D5AAB-7264-2F77-071B-B24CFA61263C}"/>
+                <a16:creationId xmlns:a16="http://schemas.microsoft.com/office/drawing/2014/main" id="{0D9EC015-4F6A-7BBD-9678-3CC36D24943E}"/>
               </a:ext>
             </a:extLst>
           </p:cNvPr>
@@ -6063,12 +8194,27 @@
             <p:ph type="title"/>
           </p:nvPr>
         </p:nvSpPr>
-        <p:spPr/>
-        <p:txBody>
-          <a:bodyPr/>
-          <a:lstStyle/>
-          <a:p>
-            <a:endParaRPr lang="en-IN"/>
+        <p:spPr>
+          <a:xfrm>
+            <a:off x="913794" y="196769"/>
+            <a:ext cx="10353761" cy="778453"/>
+          </a:xfrm>
+        </p:spPr>
+        <p:txBody>
+          <a:bodyPr>
+            <a:normAutofit/>
+          </a:bodyPr>
+          <a:lstStyle/>
+          <a:p>
+            <a:r>
+              <a:rPr lang="en-US" sz="4500" u="sng" dirty="0">
+                <a:latin typeface="Algerian" panose="04020705040A02060702" pitchFamily="82" charset="0"/>
+              </a:rPr>
+              <a:t>Recognition Demo:</a:t>
+            </a:r>
+            <a:endParaRPr lang="en-IN" sz="4500" u="sng" dirty="0">
+              <a:latin typeface="Algerian" panose="04020705040A02060702" pitchFamily="82" charset="0"/>
+            </a:endParaRPr>
           </a:p>
         </p:txBody>
       </p:sp>
@@ -6077,7 +8223,7 @@
           <p:cNvPr id="3" name="Content Placeholder 2">
             <a:extLst>
               <a:ext uri="{FF2B5EF4-FFF2-40B4-BE49-F238E27FC236}">
-                <a16:creationId xmlns:a16="http://schemas.microsoft.com/office/drawing/2014/main" id="{CDED692A-FDCD-B6C0-65B6-0A668C99871F}"/>
+                <a16:creationId xmlns:a16="http://schemas.microsoft.com/office/drawing/2014/main" id="{3CD09585-FA35-DCD3-9F5C-E12DE031BF0F}"/>
               </a:ext>
             </a:extLst>
           </p:cNvPr>
@@ -6088,19 +8234,225 @@
             <p:ph idx="1"/>
           </p:nvPr>
         </p:nvSpPr>
-        <p:spPr/>
-        <p:txBody>
-          <a:bodyPr/>
-          <a:lstStyle/>
-          <a:p>
-            <a:endParaRPr lang="en-IN"/>
-          </a:p>
-        </p:txBody>
-      </p:sp>
+        <p:spPr>
+          <a:xfrm>
+            <a:off x="913793" y="1214320"/>
+            <a:ext cx="8818036" cy="5023193"/>
+          </a:xfrm>
+        </p:spPr>
+        <p:txBody>
+          <a:bodyPr>
+            <a:noAutofit/>
+          </a:bodyPr>
+          <a:lstStyle/>
+          <a:p>
+            <a:pPr marL="0" indent="0">
+              <a:buNone/>
+            </a:pPr>
+            <a:r>
+              <a:rPr lang="en-IN" sz="2300" dirty="0">
+                <a:latin typeface="Bodoni MT" panose="02070603080606020203" pitchFamily="18" charset="0"/>
+              </a:rPr>
+              <a:t>Text analysed: “</a:t>
+            </a:r>
+            <a:r>
+              <a:rPr lang="en-US" sz="2300" dirty="0">
+                <a:latin typeface="Bodoni MT" panose="02070603080606020203" pitchFamily="18" charset="0"/>
+              </a:rPr>
+              <a:t>I'm so happy today! Got promoted at work! 🎉😊”</a:t>
+            </a:r>
+            <a:endParaRPr lang="en-IN" sz="2300" dirty="0">
+              <a:latin typeface="Bodoni MT" panose="02070603080606020203" pitchFamily="18" charset="0"/>
+            </a:endParaRPr>
+          </a:p>
+          <a:p>
+            <a:pPr marL="0" indent="0">
+              <a:buNone/>
+            </a:pPr>
+            <a:r>
+              <a:rPr lang="en-IN" sz="2300" dirty="0">
+                <a:latin typeface="Bodoni MT" panose="02070603080606020203" pitchFamily="18" charset="0"/>
+              </a:rPr>
+              <a:t>Dominant emotion: HAPPY</a:t>
+            </a:r>
+          </a:p>
+          <a:p>
+            <a:pPr marL="0" indent="0">
+              <a:buNone/>
+            </a:pPr>
+            <a:r>
+              <a:rPr lang="en-IN" sz="2300" dirty="0">
+                <a:latin typeface="Bodoni MT" panose="02070603080606020203" pitchFamily="18" charset="0"/>
+              </a:rPr>
+              <a:t>Emotion Distribution:</a:t>
+            </a:r>
+          </a:p>
+          <a:p>
+            <a:pPr marL="0" indent="0">
+              <a:buNone/>
+            </a:pPr>
+            <a:r>
+              <a:rPr lang="en-IN" sz="2300" dirty="0">
+                <a:latin typeface="Bodoni MT" panose="02070603080606020203" pitchFamily="18" charset="0"/>
+              </a:rPr>
+              <a:t>HAPPY: 2 (22.22%)</a:t>
+            </a:r>
+          </a:p>
+          <a:p>
+            <a:pPr marL="0" indent="0">
+              <a:buNone/>
+            </a:pPr>
+            <a:r>
+              <a:rPr lang="en-IN" sz="2300" dirty="0">
+                <a:latin typeface="Bodoni MT" panose="02070603080606020203" pitchFamily="18" charset="0"/>
+              </a:rPr>
+              <a:t>SAD: 2 (22.22%)</a:t>
+            </a:r>
+          </a:p>
+          <a:p>
+            <a:pPr marL="0" indent="0">
+              <a:buNone/>
+            </a:pPr>
+            <a:r>
+              <a:rPr lang="en-IN" sz="2300" dirty="0">
+                <a:latin typeface="Bodoni MT" panose="02070603080606020203" pitchFamily="18" charset="0"/>
+              </a:rPr>
+              <a:t>ANGRY: 1 (11.11%)</a:t>
+            </a:r>
+          </a:p>
+          <a:p>
+            <a:pPr marL="0" indent="0">
+              <a:buNone/>
+            </a:pPr>
+            <a:r>
+              <a:rPr lang="en-IN" sz="2300" dirty="0">
+                <a:latin typeface="Bodoni MT" panose="02070603080606020203" pitchFamily="18" charset="0"/>
+              </a:rPr>
+              <a:t>SURPRISE: 1 (11.11%)</a:t>
+            </a:r>
+          </a:p>
+          <a:p>
+            <a:pPr marL="0" indent="0">
+              <a:buNone/>
+            </a:pPr>
+            <a:r>
+              <a:rPr lang="en-IN" sz="2300" dirty="0">
+                <a:latin typeface="Bodoni MT" panose="02070603080606020203" pitchFamily="18" charset="0"/>
+              </a:rPr>
+              <a:t>FEAR: 2 (22.22%)</a:t>
+            </a:r>
+          </a:p>
+          <a:p>
+            <a:pPr marL="0" indent="0">
+              <a:buNone/>
+            </a:pPr>
+            <a:r>
+              <a:rPr lang="en-IN" sz="2300" dirty="0">
+                <a:latin typeface="Bodoni MT" panose="02070603080606020203" pitchFamily="18" charset="0"/>
+              </a:rPr>
+              <a:t>NEUTRAL: 1 (11.11%)</a:t>
+            </a:r>
+          </a:p>
+        </p:txBody>
+      </p:sp>
+      <p:pic>
+        <p:nvPicPr>
+          <p:cNvPr id="2050" name="Picture 2" descr="Four-layer ConvNet to facial emotion recognition with minimal epochs and  the significance of data diversity | Scientific Reports">
+            <a:extLst>
+              <a:ext uri="{FF2B5EF4-FFF2-40B4-BE49-F238E27FC236}">
+                <a16:creationId xmlns:a16="http://schemas.microsoft.com/office/drawing/2014/main" id="{8C4E251F-4A6C-04FD-542D-E9744AC183EE}"/>
+              </a:ext>
+            </a:extLst>
+          </p:cNvPr>
+          <p:cNvPicPr>
+            <a:picLocks noChangeAspect="1" noChangeArrowheads="1"/>
+          </p:cNvPicPr>
+          <p:nvPr/>
+        </p:nvPicPr>
+        <p:blipFill rotWithShape="1">
+          <a:blip r:embed="rId2">
+            <a:extLst>
+              <a:ext uri="{28A0092B-C50C-407E-A947-70E740481C1C}">
+                <a14:useLocalDpi xmlns:a14="http://schemas.microsoft.com/office/drawing/2010/main" val="0"/>
+              </a:ext>
+            </a:extLst>
+          </a:blip>
+          <a:srcRect r="73608"/>
+          <a:stretch>
+            <a:fillRect/>
+          </a:stretch>
+        </p:blipFill>
+        <p:spPr bwMode="auto">
+          <a:xfrm>
+            <a:off x="5185002" y="1862818"/>
+            <a:ext cx="1721983" cy="3981450"/>
+          </a:xfrm>
+          <a:prstGeom prst="rect">
+            <a:avLst/>
+          </a:prstGeom>
+          <a:noFill/>
+          <a:extLst>
+            <a:ext uri="{909E8E84-426E-40DD-AFC4-6F175D3DCCD1}">
+              <a14:hiddenFill xmlns:a14="http://schemas.microsoft.com/office/drawing/2010/main">
+                <a:solidFill>
+                  <a:srgbClr val="FFFFFF"/>
+                </a:solidFill>
+              </a14:hiddenFill>
+            </a:ext>
+          </a:extLst>
+        </p:spPr>
+      </p:pic>
+      <p:pic>
+        <p:nvPicPr>
+          <p:cNvPr id="2052" name="Picture 4" descr="Four-layer ConvNet to facial emotion recognition with minimal epochs and  the significance of data diversity | Scientific Reports">
+            <a:extLst>
+              <a:ext uri="{FF2B5EF4-FFF2-40B4-BE49-F238E27FC236}">
+                <a16:creationId xmlns:a16="http://schemas.microsoft.com/office/drawing/2014/main" id="{1A683A4C-0440-2695-D130-43679B903819}"/>
+              </a:ext>
+            </a:extLst>
+          </p:cNvPr>
+          <p:cNvPicPr>
+            <a:picLocks noChangeAspect="1" noChangeArrowheads="1"/>
+          </p:cNvPicPr>
+          <p:nvPr/>
+        </p:nvPicPr>
+        <p:blipFill rotWithShape="1">
+          <a:blip r:embed="rId2">
+            <a:extLst>
+              <a:ext uri="{28A0092B-C50C-407E-A947-70E740481C1C}">
+                <a14:useLocalDpi xmlns:a14="http://schemas.microsoft.com/office/drawing/2010/main" val="0"/>
+              </a:ext>
+            </a:extLst>
+          </a:blip>
+          <a:srcRect l="38405"/>
+          <a:stretch>
+            <a:fillRect/>
+          </a:stretch>
+        </p:blipFill>
+        <p:spPr bwMode="auto">
+          <a:xfrm>
+            <a:off x="6906985" y="1862818"/>
+            <a:ext cx="4018871" cy="3981450"/>
+          </a:xfrm>
+          <a:prstGeom prst="rect">
+            <a:avLst/>
+          </a:prstGeom>
+          <a:noFill/>
+          <a:extLst>
+            <a:ext uri="{909E8E84-426E-40DD-AFC4-6F175D3DCCD1}">
+              <a14:hiddenFill xmlns:a14="http://schemas.microsoft.com/office/drawing/2010/main">
+                <a:solidFill>
+                  <a:srgbClr val="FFFFFF"/>
+                </a:solidFill>
+              </a14:hiddenFill>
+            </a:ext>
+          </a:extLst>
+        </p:spPr>
+      </p:pic>
     </p:spTree>
     <p:extLst>
       <p:ext uri="{BB962C8B-B14F-4D97-AF65-F5344CB8AC3E}">
-        <p14:creationId xmlns:p14="http://schemas.microsoft.com/office/powerpoint/2010/main" val="597248377"/>
+        <p14:creationId xmlns:p14="http://schemas.microsoft.com/office/powerpoint/2010/main" val="2221908817"/>
       </p:ext>
     </p:extLst>
   </p:cSld>
@@ -6132,7 +8484,7 @@
           <p:cNvPr id="2" name="Title 1">
             <a:extLst>
               <a:ext uri="{FF2B5EF4-FFF2-40B4-BE49-F238E27FC236}">
-                <a16:creationId xmlns:a16="http://schemas.microsoft.com/office/drawing/2014/main" id="{96AAE14B-D468-B409-8B4B-1CBF007D66B6}"/>
+                <a16:creationId xmlns:a16="http://schemas.microsoft.com/office/drawing/2014/main" id="{D53BB0FC-83F3-2EB1-F68B-74B6D9959ED6}"/>
               </a:ext>
             </a:extLst>
           </p:cNvPr>
@@ -6143,12 +8495,33 @@
             <p:ph type="title"/>
           </p:nvPr>
         </p:nvSpPr>
-        <p:spPr/>
-        <p:txBody>
-          <a:bodyPr/>
-          <a:lstStyle/>
-          <a:p>
-            <a:endParaRPr lang="en-IN"/>
+        <p:spPr>
+          <a:xfrm>
+            <a:off x="1020233" y="0"/>
+            <a:ext cx="10238619" cy="794657"/>
+          </a:xfrm>
+        </p:spPr>
+        <p:txBody>
+          <a:bodyPr>
+            <a:normAutofit/>
+          </a:bodyPr>
+          <a:lstStyle/>
+          <a:p>
+            <a:r>
+              <a:rPr lang="en-US" sz="4200" u="sng" dirty="0">
+                <a:latin typeface="Algerian" panose="04020705040A02060702" pitchFamily="82" charset="0"/>
+              </a:rPr>
+              <a:t>Conclusion</a:t>
+            </a:r>
+            <a:r>
+              <a:rPr lang="en-US" sz="4500" dirty="0">
+                <a:latin typeface="Algerian" panose="04020705040A02060702" pitchFamily="82" charset="0"/>
+              </a:rPr>
+              <a:t>:</a:t>
+            </a:r>
+            <a:endParaRPr lang="en-IN" sz="4500" dirty="0">
+              <a:latin typeface="Algerian" panose="04020705040A02060702" pitchFamily="82" charset="0"/>
+            </a:endParaRPr>
           </a:p>
         </p:txBody>
       </p:sp>
@@ -6157,7 +8530,7 @@
           <p:cNvPr id="3" name="Content Placeholder 2">
             <a:extLst>
               <a:ext uri="{FF2B5EF4-FFF2-40B4-BE49-F238E27FC236}">
-                <a16:creationId xmlns:a16="http://schemas.microsoft.com/office/drawing/2014/main" id="{B27DCF85-2FBA-2DF6-2525-E1AF45B716BB}"/>
+                <a16:creationId xmlns:a16="http://schemas.microsoft.com/office/drawing/2014/main" id="{B7D4F46C-93E7-4A8C-8625-1BC8869E9046}"/>
               </a:ext>
             </a:extLst>
           </p:cNvPr>
@@ -6168,19 +8541,475 @@
             <p:ph idx="1"/>
           </p:nvPr>
         </p:nvSpPr>
-        <p:spPr/>
-        <p:txBody>
-          <a:bodyPr/>
-          <a:lstStyle/>
-          <a:p>
-            <a:endParaRPr lang="en-IN"/>
+        <p:spPr>
+          <a:xfrm>
+            <a:off x="805542" y="794657"/>
+            <a:ext cx="10580914" cy="2525486"/>
+          </a:xfrm>
+        </p:spPr>
+        <p:txBody>
+          <a:bodyPr>
+            <a:normAutofit/>
+          </a:bodyPr>
+          <a:lstStyle/>
+          <a:p>
+            <a:pPr>
+              <a:buFont typeface="Wingdings" panose="05000000000000000000" pitchFamily="2" charset="2"/>
+              <a:buChar char="Ø"/>
+            </a:pPr>
+            <a:r>
+              <a:rPr lang="en-US" dirty="0">
+                <a:latin typeface="Bodoni MT" panose="02070603080606020203" pitchFamily="18" charset="0"/>
+              </a:rPr>
+              <a:t>Efficient prediction and recognition of emotion through texts.</a:t>
+            </a:r>
+          </a:p>
+          <a:p>
+            <a:pPr>
+              <a:buFont typeface="Wingdings" panose="05000000000000000000" pitchFamily="2" charset="2"/>
+              <a:buChar char="Ø"/>
+            </a:pPr>
+            <a:r>
+              <a:rPr lang="en-US" dirty="0">
+                <a:latin typeface="Bodoni MT" panose="02070603080606020203" pitchFamily="18" charset="0"/>
+              </a:rPr>
+              <a:t>Successfully developed rule-based NLP system classifying text into 6 emotions.</a:t>
+            </a:r>
+          </a:p>
+          <a:p>
+            <a:pPr>
+              <a:buFont typeface="Wingdings" panose="05000000000000000000" pitchFamily="2" charset="2"/>
+              <a:buChar char="Ø"/>
+            </a:pPr>
+            <a:r>
+              <a:rPr lang="en-US" dirty="0">
+                <a:latin typeface="Bodoni MT" panose="02070603080606020203" pitchFamily="18" charset="0"/>
+              </a:rPr>
+              <a:t>Achieved 100% accuracy on test dataset with real-time processing (300+ texts/second).</a:t>
+            </a:r>
+          </a:p>
+          <a:p>
+            <a:pPr>
+              <a:buFont typeface="Wingdings" panose="05000000000000000000" pitchFamily="2" charset="2"/>
+              <a:buChar char="Ø"/>
+            </a:pPr>
+            <a:r>
+              <a:rPr lang="en-US" dirty="0">
+                <a:latin typeface="Bodoni MT" panose="02070603080606020203" pitchFamily="18" charset="0"/>
+              </a:rPr>
+              <a:t>Zero training required - immediate deployment for social media and customer feedback analysis.</a:t>
+            </a:r>
+          </a:p>
+          <a:p>
+            <a:pPr>
+              <a:buFont typeface="Wingdings" panose="05000000000000000000" pitchFamily="2" charset="2"/>
+              <a:buChar char="Ø"/>
+            </a:pPr>
+            <a:r>
+              <a:rPr lang="en-US" dirty="0">
+                <a:latin typeface="Bodoni MT" panose="02070603080606020203" pitchFamily="18" charset="0"/>
+              </a:rPr>
+              <a:t>Addresses critical needs in sentiment analysis, mental health screening, and brand monitoring.</a:t>
+            </a:r>
+            <a:endParaRPr lang="en-IN" dirty="0">
+              <a:latin typeface="Bodoni MT" panose="02070603080606020203" pitchFamily="18" charset="0"/>
+            </a:endParaRPr>
+          </a:p>
+        </p:txBody>
+      </p:sp>
+      <p:sp>
+        <p:nvSpPr>
+          <p:cNvPr id="6" name="Title 1">
+            <a:extLst>
+              <a:ext uri="{FF2B5EF4-FFF2-40B4-BE49-F238E27FC236}">
+                <a16:creationId xmlns:a16="http://schemas.microsoft.com/office/drawing/2014/main" id="{329E1F38-5399-1362-C293-FE4838ED40DD}"/>
+              </a:ext>
+            </a:extLst>
+          </p:cNvPr>
+          <p:cNvSpPr txBox="1">
+            <a:spLocks/>
+          </p:cNvSpPr>
+          <p:nvPr/>
+        </p:nvSpPr>
+        <p:spPr>
+          <a:xfrm>
+            <a:off x="976689" y="3292929"/>
+            <a:ext cx="10238619" cy="794657"/>
+          </a:xfrm>
+          <a:prstGeom prst="rect">
+            <a:avLst/>
+          </a:prstGeom>
+        </p:spPr>
+        <p:txBody>
+          <a:bodyPr vert="horz" lIns="91440" tIns="45720" rIns="91440" bIns="45720" rtlCol="0" anchor="ctr">
+            <a:normAutofit/>
+          </a:bodyPr>
+          <a:lstStyle>
+            <a:lvl1pPr algn="ctr" defTabSz="914400" rtl="0" eaLnBrk="1" latinLnBrk="0" hangingPunct="1">
+              <a:lnSpc>
+                <a:spcPct val="90000"/>
+              </a:lnSpc>
+              <a:spcBef>
+                <a:spcPct val="0"/>
+              </a:spcBef>
+              <a:buNone/>
+              <a:defRPr sz="3400" b="1" i="0" kern="1200" cap="all">
+                <a:solidFill>
+                  <a:schemeClr val="tx1"/>
+                </a:solidFill>
+                <a:effectLst>
+                  <a:outerShdw blurRad="50800" dist="63500" dir="2700000" algn="tl" rotWithShape="0">
+                    <a:srgbClr val="000000">
+                      <a:alpha val="48000"/>
+                    </a:srgbClr>
+                  </a:outerShdw>
+                </a:effectLst>
+                <a:latin typeface="+mj-lt"/>
+                <a:ea typeface="+mj-ea"/>
+                <a:cs typeface="+mj-cs"/>
+              </a:defRPr>
+            </a:lvl1pPr>
+          </a:lstStyle>
+          <a:p>
+            <a:r>
+              <a:rPr lang="en-US" sz="4200" u="sng" dirty="0">
+                <a:latin typeface="Algerian" panose="04020705040A02060702" pitchFamily="82" charset="0"/>
+              </a:rPr>
+              <a:t>Future scope</a:t>
+            </a:r>
+            <a:r>
+              <a:rPr lang="en-US" sz="4200" dirty="0">
+                <a:latin typeface="Algerian" panose="04020705040A02060702" pitchFamily="82" charset="0"/>
+              </a:rPr>
+              <a:t>:</a:t>
+            </a:r>
+            <a:endParaRPr lang="en-IN" sz="4200" dirty="0">
+              <a:latin typeface="Algerian" panose="04020705040A02060702" pitchFamily="82" charset="0"/>
+            </a:endParaRPr>
+          </a:p>
+        </p:txBody>
+      </p:sp>
+      <p:sp>
+        <p:nvSpPr>
+          <p:cNvPr id="7" name="Content Placeholder 2">
+            <a:extLst>
+              <a:ext uri="{FF2B5EF4-FFF2-40B4-BE49-F238E27FC236}">
+                <a16:creationId xmlns:a16="http://schemas.microsoft.com/office/drawing/2014/main" id="{A6DFC7CF-0D83-1AA9-2FF2-1665FA0DAB25}"/>
+              </a:ext>
+            </a:extLst>
+          </p:cNvPr>
+          <p:cNvSpPr txBox="1">
+            <a:spLocks/>
+          </p:cNvSpPr>
+          <p:nvPr/>
+        </p:nvSpPr>
+        <p:spPr>
+          <a:xfrm>
+            <a:off x="805542" y="4158343"/>
+            <a:ext cx="7331528" cy="2198913"/>
+          </a:xfrm>
+          <a:prstGeom prst="rect">
+            <a:avLst/>
+          </a:prstGeom>
+        </p:spPr>
+        <p:txBody>
+          <a:bodyPr vert="horz" lIns="91440" tIns="45720" rIns="91440" bIns="45720" rtlCol="0">
+            <a:normAutofit fontScale="92500" lnSpcReduction="10000"/>
+          </a:bodyPr>
+          <a:lstStyle>
+            <a:lvl1pPr marL="228600" indent="-228600" algn="l" defTabSz="914400" rtl="0" eaLnBrk="1" latinLnBrk="0" hangingPunct="1">
+              <a:lnSpc>
+                <a:spcPct val="120000"/>
+              </a:lnSpc>
+              <a:spcBef>
+                <a:spcPts val="1000"/>
+              </a:spcBef>
+              <a:buFont typeface="Arial" panose="020B0604020202020204" pitchFamily="34" charset="0"/>
+              <a:buChar char="•"/>
+              <a:defRPr sz="2000" kern="1200">
+                <a:solidFill>
+                  <a:schemeClr val="tx1"/>
+                </a:solidFill>
+                <a:effectLst>
+                  <a:outerShdw blurRad="50800" dist="38100" dir="2700000" algn="tl" rotWithShape="0">
+                    <a:srgbClr val="000000">
+                      <a:alpha val="48000"/>
+                    </a:srgbClr>
+                  </a:outerShdw>
+                </a:effectLst>
+                <a:latin typeface="+mn-lt"/>
+                <a:ea typeface="+mn-ea"/>
+                <a:cs typeface="+mn-cs"/>
+              </a:defRPr>
+            </a:lvl1pPr>
+            <a:lvl2pPr marL="685800" indent="-228600" algn="l" defTabSz="914400" rtl="0" eaLnBrk="1" latinLnBrk="0" hangingPunct="1">
+              <a:lnSpc>
+                <a:spcPct val="120000"/>
+              </a:lnSpc>
+              <a:spcBef>
+                <a:spcPts val="500"/>
+              </a:spcBef>
+              <a:buFont typeface="Arial" panose="020B0604020202020204" pitchFamily="34" charset="0"/>
+              <a:buChar char="•"/>
+              <a:defRPr sz="1800" kern="1200">
+                <a:solidFill>
+                  <a:schemeClr val="tx1"/>
+                </a:solidFill>
+                <a:effectLst>
+                  <a:outerShdw blurRad="50800" dist="38100" dir="2700000" algn="tl" rotWithShape="0">
+                    <a:srgbClr val="000000">
+                      <a:alpha val="48000"/>
+                    </a:srgbClr>
+                  </a:outerShdw>
+                </a:effectLst>
+                <a:latin typeface="+mn-lt"/>
+                <a:ea typeface="+mn-ea"/>
+                <a:cs typeface="+mn-cs"/>
+              </a:defRPr>
+            </a:lvl2pPr>
+            <a:lvl3pPr marL="1143000" indent="-228600" algn="l" defTabSz="914400" rtl="0" eaLnBrk="1" latinLnBrk="0" hangingPunct="1">
+              <a:lnSpc>
+                <a:spcPct val="120000"/>
+              </a:lnSpc>
+              <a:spcBef>
+                <a:spcPts val="500"/>
+              </a:spcBef>
+              <a:buFont typeface="Arial" panose="020B0604020202020204" pitchFamily="34" charset="0"/>
+              <a:buChar char="•"/>
+              <a:defRPr sz="1600" kern="1200">
+                <a:solidFill>
+                  <a:schemeClr val="tx1"/>
+                </a:solidFill>
+                <a:effectLst>
+                  <a:outerShdw blurRad="50800" dist="38100" dir="2700000" algn="tl" rotWithShape="0">
+                    <a:srgbClr val="000000">
+                      <a:alpha val="48000"/>
+                    </a:srgbClr>
+                  </a:outerShdw>
+                </a:effectLst>
+                <a:latin typeface="+mn-lt"/>
+                <a:ea typeface="+mn-ea"/>
+                <a:cs typeface="+mn-cs"/>
+              </a:defRPr>
+            </a:lvl3pPr>
+            <a:lvl4pPr marL="1600200" indent="-228600" algn="l" defTabSz="914400" rtl="0" eaLnBrk="1" latinLnBrk="0" hangingPunct="1">
+              <a:lnSpc>
+                <a:spcPct val="120000"/>
+              </a:lnSpc>
+              <a:spcBef>
+                <a:spcPts val="500"/>
+              </a:spcBef>
+              <a:buFont typeface="Arial" panose="020B0604020202020204" pitchFamily="34" charset="0"/>
+              <a:buChar char="•"/>
+              <a:defRPr sz="1400" kern="1200">
+                <a:solidFill>
+                  <a:schemeClr val="tx1"/>
+                </a:solidFill>
+                <a:effectLst>
+                  <a:outerShdw blurRad="50800" dist="38100" dir="2700000" algn="tl" rotWithShape="0">
+                    <a:srgbClr val="000000">
+                      <a:alpha val="48000"/>
+                    </a:srgbClr>
+                  </a:outerShdw>
+                </a:effectLst>
+                <a:latin typeface="+mn-lt"/>
+                <a:ea typeface="+mn-ea"/>
+                <a:cs typeface="+mn-cs"/>
+              </a:defRPr>
+            </a:lvl4pPr>
+            <a:lvl5pPr marL="2057400" indent="-228600" algn="l" defTabSz="914400" rtl="0" eaLnBrk="1" latinLnBrk="0" hangingPunct="1">
+              <a:lnSpc>
+                <a:spcPct val="120000"/>
+              </a:lnSpc>
+              <a:spcBef>
+                <a:spcPts val="500"/>
+              </a:spcBef>
+              <a:buFont typeface="Arial" panose="020B0604020202020204" pitchFamily="34" charset="0"/>
+              <a:buChar char="•"/>
+              <a:defRPr sz="1200" kern="1200">
+                <a:solidFill>
+                  <a:schemeClr val="tx1"/>
+                </a:solidFill>
+                <a:effectLst>
+                  <a:outerShdw blurRad="50800" dist="38100" dir="2700000" algn="tl" rotWithShape="0">
+                    <a:srgbClr val="000000">
+                      <a:alpha val="48000"/>
+                    </a:srgbClr>
+                  </a:outerShdw>
+                </a:effectLst>
+                <a:latin typeface="+mn-lt"/>
+                <a:ea typeface="+mn-ea"/>
+                <a:cs typeface="+mn-cs"/>
+              </a:defRPr>
+            </a:lvl5pPr>
+            <a:lvl6pPr marL="2514600" indent="-228600" algn="l" defTabSz="914400" rtl="0" eaLnBrk="1" latinLnBrk="0" hangingPunct="1">
+              <a:lnSpc>
+                <a:spcPct val="120000"/>
+              </a:lnSpc>
+              <a:spcBef>
+                <a:spcPts val="500"/>
+              </a:spcBef>
+              <a:buFont typeface="Arial" panose="020B0604020202020204" pitchFamily="34" charset="0"/>
+              <a:buChar char="•"/>
+              <a:defRPr sz="1200" kern="1200">
+                <a:solidFill>
+                  <a:schemeClr val="tx1"/>
+                </a:solidFill>
+                <a:effectLst>
+                  <a:outerShdw blurRad="50800" dist="38100" dir="2700000" algn="tl" rotWithShape="0">
+                    <a:srgbClr val="000000">
+                      <a:alpha val="48000"/>
+                    </a:srgbClr>
+                  </a:outerShdw>
+                </a:effectLst>
+                <a:latin typeface="+mn-lt"/>
+                <a:ea typeface="+mn-ea"/>
+                <a:cs typeface="+mn-cs"/>
+              </a:defRPr>
+            </a:lvl6pPr>
+            <a:lvl7pPr marL="2971800" indent="-228600" algn="l" defTabSz="914400" rtl="0" eaLnBrk="1" latinLnBrk="0" hangingPunct="1">
+              <a:lnSpc>
+                <a:spcPct val="120000"/>
+              </a:lnSpc>
+              <a:spcBef>
+                <a:spcPts val="500"/>
+              </a:spcBef>
+              <a:buFont typeface="Arial" panose="020B0604020202020204" pitchFamily="34" charset="0"/>
+              <a:buChar char="•"/>
+              <a:defRPr sz="1200" kern="1200">
+                <a:solidFill>
+                  <a:schemeClr val="tx1"/>
+                </a:solidFill>
+                <a:effectLst>
+                  <a:outerShdw blurRad="50800" dist="38100" dir="2700000" algn="tl" rotWithShape="0">
+                    <a:srgbClr val="000000">
+                      <a:alpha val="48000"/>
+                    </a:srgbClr>
+                  </a:outerShdw>
+                </a:effectLst>
+                <a:latin typeface="+mn-lt"/>
+                <a:ea typeface="+mn-ea"/>
+                <a:cs typeface="+mn-cs"/>
+              </a:defRPr>
+            </a:lvl7pPr>
+            <a:lvl8pPr marL="3429000" indent="-228600" algn="l" defTabSz="914400" rtl="0" eaLnBrk="1" latinLnBrk="0" hangingPunct="1">
+              <a:lnSpc>
+                <a:spcPct val="120000"/>
+              </a:lnSpc>
+              <a:spcBef>
+                <a:spcPts val="500"/>
+              </a:spcBef>
+              <a:buFont typeface="Arial" panose="020B0604020202020204" pitchFamily="34" charset="0"/>
+              <a:buChar char="•"/>
+              <a:defRPr sz="1200" kern="1200">
+                <a:solidFill>
+                  <a:schemeClr val="tx1"/>
+                </a:solidFill>
+                <a:effectLst>
+                  <a:outerShdw blurRad="50800" dist="38100" dir="2700000" algn="tl" rotWithShape="0">
+                    <a:srgbClr val="000000">
+                      <a:alpha val="48000"/>
+                    </a:srgbClr>
+                  </a:outerShdw>
+                </a:effectLst>
+                <a:latin typeface="+mn-lt"/>
+                <a:ea typeface="+mn-ea"/>
+                <a:cs typeface="+mn-cs"/>
+              </a:defRPr>
+            </a:lvl8pPr>
+            <a:lvl9pPr marL="3886200" indent="-228600" algn="l" defTabSz="914400" rtl="0" eaLnBrk="1" latinLnBrk="0" hangingPunct="1">
+              <a:lnSpc>
+                <a:spcPct val="120000"/>
+              </a:lnSpc>
+              <a:spcBef>
+                <a:spcPts val="500"/>
+              </a:spcBef>
+              <a:buFont typeface="Arial" panose="020B0604020202020204" pitchFamily="34" charset="0"/>
+              <a:buChar char="•"/>
+              <a:defRPr sz="1200" kern="1200">
+                <a:solidFill>
+                  <a:schemeClr val="tx1"/>
+                </a:solidFill>
+                <a:effectLst>
+                  <a:outerShdw blurRad="50800" dist="38100" dir="2700000" algn="tl" rotWithShape="0">
+                    <a:srgbClr val="000000">
+                      <a:alpha val="48000"/>
+                    </a:srgbClr>
+                  </a:outerShdw>
+                </a:effectLst>
+                <a:latin typeface="+mn-lt"/>
+                <a:ea typeface="+mn-ea"/>
+                <a:cs typeface="+mn-cs"/>
+              </a:defRPr>
+            </a:lvl9pPr>
+          </a:lstStyle>
+          <a:p>
+            <a:pPr>
+              <a:buFont typeface="Wingdings" panose="05000000000000000000" pitchFamily="2" charset="2"/>
+              <a:buChar char="Ø"/>
+            </a:pPr>
+            <a:r>
+              <a:rPr lang="en-US" dirty="0"/>
+              <a:t>Train supervised models (SVM, Random Forest, </a:t>
+            </a:r>
+            <a:r>
+              <a:rPr lang="en-US" dirty="0" err="1"/>
+              <a:t>XGBoost</a:t>
+            </a:r>
+            <a:r>
+              <a:rPr lang="en-US" dirty="0"/>
+              <a:t>).</a:t>
+            </a:r>
+          </a:p>
+          <a:p>
+            <a:pPr>
+              <a:buFont typeface="Wingdings" panose="05000000000000000000" pitchFamily="2" charset="2"/>
+              <a:buChar char="Ø"/>
+            </a:pPr>
+            <a:r>
+              <a:rPr lang="en-US" dirty="0"/>
+              <a:t>Extend to Spanish, French, Hindi, Arabic.</a:t>
+            </a:r>
+          </a:p>
+          <a:p>
+            <a:pPr>
+              <a:buFont typeface="Wingdings" panose="05000000000000000000" pitchFamily="2" charset="2"/>
+              <a:buChar char="Ø"/>
+            </a:pPr>
+            <a:r>
+              <a:rPr lang="en-US" dirty="0"/>
+              <a:t>RESTful APIs for third-party integration.</a:t>
+            </a:r>
+          </a:p>
+          <a:p>
+            <a:pPr>
+              <a:buFont typeface="Wingdings" panose="05000000000000000000" pitchFamily="2" charset="2"/>
+              <a:buChar char="Ø"/>
+            </a:pPr>
+            <a:r>
+              <a:rPr lang="en-IN" dirty="0"/>
+              <a:t>Model compression for mobile deployment.</a:t>
+            </a:r>
+          </a:p>
+          <a:p>
+            <a:pPr>
+              <a:buFont typeface="Wingdings" panose="05000000000000000000" pitchFamily="2" charset="2"/>
+              <a:buChar char="Ø"/>
+            </a:pPr>
+            <a:r>
+              <a:rPr lang="en-IN" dirty="0"/>
+              <a:t>SaaS emotion analytics platform.</a:t>
+            </a:r>
+            <a:endParaRPr lang="en-IN" b="1" dirty="0">
+              <a:latin typeface="Bodoni MT" panose="02070603080606020203" pitchFamily="18" charset="0"/>
+            </a:endParaRPr>
           </a:p>
         </p:txBody>
       </p:sp>
     </p:spTree>
     <p:extLst>
       <p:ext uri="{BB962C8B-B14F-4D97-AF65-F5344CB8AC3E}">
-        <p14:creationId xmlns:p14="http://schemas.microsoft.com/office/powerpoint/2010/main" val="3671497000"/>
+        <p14:creationId xmlns:p14="http://schemas.microsoft.com/office/powerpoint/2010/main" val="4097204934"/>
       </p:ext>
     </p:extLst>
   </p:cSld>
